--- a/memo/material.pptx
+++ b/memo/material.pptx
@@ -5,7 +5,7 @@
     <p:sldMasterId id="2147483660" r:id="rId1"/>
   </p:sldMasterIdLst>
   <p:notesMasterIdLst>
-    <p:notesMasterId r:id="rId26"/>
+    <p:notesMasterId r:id="rId28"/>
   </p:notesMasterIdLst>
   <p:sldIdLst>
     <p:sldId id="256" r:id="rId2"/>
@@ -20,18 +20,20 @@
     <p:sldId id="264" r:id="rId11"/>
     <p:sldId id="262" r:id="rId12"/>
     <p:sldId id="263" r:id="rId13"/>
-    <p:sldId id="267" r:id="rId14"/>
-    <p:sldId id="275" r:id="rId15"/>
-    <p:sldId id="276" r:id="rId16"/>
-    <p:sldId id="277" r:id="rId17"/>
-    <p:sldId id="278" r:id="rId18"/>
-    <p:sldId id="268" r:id="rId19"/>
-    <p:sldId id="269" r:id="rId20"/>
-    <p:sldId id="270" r:id="rId21"/>
-    <p:sldId id="281" r:id="rId22"/>
-    <p:sldId id="271" r:id="rId23"/>
-    <p:sldId id="280" r:id="rId24"/>
-    <p:sldId id="279" r:id="rId25"/>
+    <p:sldId id="282" r:id="rId14"/>
+    <p:sldId id="267" r:id="rId15"/>
+    <p:sldId id="275" r:id="rId16"/>
+    <p:sldId id="276" r:id="rId17"/>
+    <p:sldId id="277" r:id="rId18"/>
+    <p:sldId id="278" r:id="rId19"/>
+    <p:sldId id="268" r:id="rId20"/>
+    <p:sldId id="269" r:id="rId21"/>
+    <p:sldId id="270" r:id="rId22"/>
+    <p:sldId id="281" r:id="rId23"/>
+    <p:sldId id="271" r:id="rId24"/>
+    <p:sldId id="280" r:id="rId25"/>
+    <p:sldId id="283" r:id="rId26"/>
+    <p:sldId id="279" r:id="rId27"/>
   </p:sldIdLst>
   <p:sldSz cx="12192000" cy="6858000"/>
   <p:notesSz cx="6858000" cy="9144000"/>
@@ -130,6 +132,11 @@
       </a:defRPr>
     </a:lvl9pPr>
   </p:defaultTextStyle>
+  <p:extLst>
+    <p:ext uri="{EFAFB233-063F-42B5-8137-9DF3F51BA10A}">
+      <p15:sldGuideLst xmlns:p15="http://schemas.microsoft.com/office/powerpoint/2012/main"/>
+    </p:ext>
+  </p:extLst>
 </p:presentation>
 </file>
 
@@ -215,7 +222,7 @@
           <a:p>
             <a:fld id="{1EA1E70B-0470-4571-9876-5436CB0CE0CF}" type="datetimeFigureOut">
               <a:rPr kumimoji="1" lang="ja-JP" altLang="en-US" smtClean="0"/>
-              <a:t>2024/12/31</a:t>
+              <a:t>2025/1/18</a:t>
             </a:fld>
             <a:endParaRPr kumimoji="1" lang="ja-JP" altLang="en-US"/>
           </a:p>
@@ -771,7 +778,7 @@
           <a:p>
             <a:fld id="{D03A340F-B461-4B5E-ABB0-89028450C361}" type="slidenum">
               <a:rPr kumimoji="1" lang="ja-JP" altLang="en-US" smtClean="0"/>
-              <a:t>20</a:t>
+              <a:t>21</a:t>
             </a:fld>
             <a:endParaRPr kumimoji="1" lang="ja-JP" altLang="en-US"/>
           </a:p>
@@ -921,7 +928,7 @@
           <a:p>
             <a:fld id="{1788137F-4795-4296-82D0-B103BE589F84}" type="datetimeFigureOut">
               <a:rPr kumimoji="1" lang="ja-JP" altLang="en-US" smtClean="0"/>
-              <a:t>2024/12/29</a:t>
+              <a:t>2025/1/18</a:t>
             </a:fld>
             <a:endParaRPr kumimoji="1" lang="ja-JP" altLang="en-US"/>
           </a:p>
@@ -1123,7 +1130,7 @@
           <a:p>
             <a:fld id="{1788137F-4795-4296-82D0-B103BE589F84}" type="datetimeFigureOut">
               <a:rPr kumimoji="1" lang="ja-JP" altLang="en-US" smtClean="0"/>
-              <a:t>2024/12/29</a:t>
+              <a:t>2025/1/18</a:t>
             </a:fld>
             <a:endParaRPr kumimoji="1" lang="ja-JP" altLang="en-US"/>
           </a:p>
@@ -1335,7 +1342,7 @@
           <a:p>
             <a:fld id="{1788137F-4795-4296-82D0-B103BE589F84}" type="datetimeFigureOut">
               <a:rPr kumimoji="1" lang="ja-JP" altLang="en-US" smtClean="0"/>
-              <a:t>2024/12/29</a:t>
+              <a:t>2025/1/18</a:t>
             </a:fld>
             <a:endParaRPr kumimoji="1" lang="ja-JP" altLang="en-US"/>
           </a:p>
@@ -1537,7 +1544,7 @@
           <a:p>
             <a:fld id="{1788137F-4795-4296-82D0-B103BE589F84}" type="datetimeFigureOut">
               <a:rPr kumimoji="1" lang="ja-JP" altLang="en-US" smtClean="0"/>
-              <a:t>2024/12/29</a:t>
+              <a:t>2025/1/18</a:t>
             </a:fld>
             <a:endParaRPr kumimoji="1" lang="ja-JP" altLang="en-US"/>
           </a:p>
@@ -1783,7 +1790,7 @@
           <a:p>
             <a:fld id="{1788137F-4795-4296-82D0-B103BE589F84}" type="datetimeFigureOut">
               <a:rPr kumimoji="1" lang="ja-JP" altLang="en-US" smtClean="0"/>
-              <a:t>2024/12/29</a:t>
+              <a:t>2025/1/18</a:t>
             </a:fld>
             <a:endParaRPr kumimoji="1" lang="ja-JP" altLang="en-US"/>
           </a:p>
@@ -2079,7 +2086,7 @@
           <a:p>
             <a:fld id="{1788137F-4795-4296-82D0-B103BE589F84}" type="datetimeFigureOut">
               <a:rPr kumimoji="1" lang="ja-JP" altLang="en-US" smtClean="0"/>
-              <a:t>2024/12/29</a:t>
+              <a:t>2025/1/18</a:t>
             </a:fld>
             <a:endParaRPr kumimoji="1" lang="ja-JP" altLang="en-US"/>
           </a:p>
@@ -2510,7 +2517,7 @@
           <a:p>
             <a:fld id="{1788137F-4795-4296-82D0-B103BE589F84}" type="datetimeFigureOut">
               <a:rPr kumimoji="1" lang="ja-JP" altLang="en-US" smtClean="0"/>
-              <a:t>2024/12/29</a:t>
+              <a:t>2025/1/18</a:t>
             </a:fld>
             <a:endParaRPr kumimoji="1" lang="ja-JP" altLang="en-US"/>
           </a:p>
@@ -2628,7 +2635,7 @@
           <a:p>
             <a:fld id="{1788137F-4795-4296-82D0-B103BE589F84}" type="datetimeFigureOut">
               <a:rPr kumimoji="1" lang="ja-JP" altLang="en-US" smtClean="0"/>
-              <a:t>2024/12/29</a:t>
+              <a:t>2025/1/18</a:t>
             </a:fld>
             <a:endParaRPr kumimoji="1" lang="ja-JP" altLang="en-US"/>
           </a:p>
@@ -2723,7 +2730,7 @@
           <a:p>
             <a:fld id="{1788137F-4795-4296-82D0-B103BE589F84}" type="datetimeFigureOut">
               <a:rPr kumimoji="1" lang="ja-JP" altLang="en-US" smtClean="0"/>
-              <a:t>2024/12/29</a:t>
+              <a:t>2025/1/18</a:t>
             </a:fld>
             <a:endParaRPr kumimoji="1" lang="ja-JP" altLang="en-US"/>
           </a:p>
@@ -3032,7 +3039,7 @@
           <a:p>
             <a:fld id="{1788137F-4795-4296-82D0-B103BE589F84}" type="datetimeFigureOut">
               <a:rPr kumimoji="1" lang="ja-JP" altLang="en-US" smtClean="0"/>
-              <a:t>2024/12/29</a:t>
+              <a:t>2025/1/18</a:t>
             </a:fld>
             <a:endParaRPr kumimoji="1" lang="ja-JP" altLang="en-US"/>
           </a:p>
@@ -3289,7 +3296,7 @@
           <a:p>
             <a:fld id="{1788137F-4795-4296-82D0-B103BE589F84}" type="datetimeFigureOut">
               <a:rPr kumimoji="1" lang="ja-JP" altLang="en-US" smtClean="0"/>
-              <a:t>2024/12/29</a:t>
+              <a:t>2025/1/18</a:t>
             </a:fld>
             <a:endParaRPr kumimoji="1" lang="ja-JP" altLang="en-US"/>
           </a:p>
@@ -3534,7 +3541,7 @@
           <a:p>
             <a:fld id="{1788137F-4795-4296-82D0-B103BE589F84}" type="datetimeFigureOut">
               <a:rPr kumimoji="1" lang="ja-JP" altLang="en-US" smtClean="0"/>
-              <a:t>2024/12/29</a:t>
+              <a:t>2025/1/18</a:t>
             </a:fld>
             <a:endParaRPr kumimoji="1" lang="ja-JP" altLang="en-US"/>
           </a:p>
@@ -4054,8 +4061,8 @@
           </a:p>
         </p:txBody>
       </p:sp>
-      <mc:AlternateContent xmlns:mc="http://schemas.openxmlformats.org/markup-compatibility/2006">
-        <mc:Choice xmlns:a14="http://schemas.microsoft.com/office/drawing/2010/main" Requires="a14">
+      <mc:AlternateContent xmlns:mc="http://schemas.openxmlformats.org/markup-compatibility/2006" xmlns:a14="http://schemas.microsoft.com/office/drawing/2010/main">
+        <mc:Choice Requires="a14">
           <p:sp>
             <p:nvSpPr>
               <p:cNvPr id="7" name="コンテンツ プレースホルダー 6">
@@ -4223,7 +4230,7 @@
             </p:txBody>
           </p:sp>
         </mc:Choice>
-        <mc:Fallback>
+        <mc:Fallback xmlns="">
           <p:sp>
             <p:nvSpPr>
               <p:cNvPr id="7" name="コンテンツ プレースホルダー 6">
@@ -4356,8 +4363,8 @@
           </a:p>
         </p:txBody>
       </p:sp>
-      <mc:AlternateContent xmlns:mc="http://schemas.openxmlformats.org/markup-compatibility/2006">
-        <mc:Choice xmlns:a14="http://schemas.microsoft.com/office/drawing/2010/main" Requires="a14">
+      <mc:AlternateContent xmlns:mc="http://schemas.openxmlformats.org/markup-compatibility/2006" xmlns:a14="http://schemas.microsoft.com/office/drawing/2010/main">
+        <mc:Choice Requires="a14">
           <p:sp>
             <p:nvSpPr>
               <p:cNvPr id="3" name="コンテンツ プレースホルダー 2">
@@ -5087,7 +5094,7 @@
             </p:txBody>
           </p:sp>
         </mc:Choice>
-        <mc:Fallback>
+        <mc:Fallback xmlns="">
           <p:sp>
             <p:nvSpPr>
               <p:cNvPr id="3" name="コンテンツ プレースホルダー 2">
@@ -6424,31 +6431,12 @@
                           </m:r>
                         </m:sub>
                       </m:sSub>
-                      <m:sSub>
-                        <m:sSubPr>
-                          <m:ctrlPr>
-                            <a:rPr lang="en-US" altLang="ja-JP" b="0" i="1" smtClean="0">
-                              <a:latin typeface="Cambria Math" panose="02040503050406030204" pitchFamily="18" charset="0"/>
-                            </a:rPr>
-                          </m:ctrlPr>
-                        </m:sSubPr>
-                        <m:e>
-                          <m:r>
-                            <a:rPr lang="en-US" altLang="ja-JP" b="0" i="1" smtClean="0">
-                              <a:latin typeface="Cambria Math" panose="02040503050406030204" pitchFamily="18" charset="0"/>
-                            </a:rPr>
-                            <m:t>𝜌</m:t>
-                          </m:r>
-                        </m:e>
-                        <m:sub>
-                          <m:r>
-                            <a:rPr lang="en-US" altLang="ja-JP" b="0" i="1" smtClean="0">
-                              <a:latin typeface="Cambria Math" panose="02040503050406030204" pitchFamily="18" charset="0"/>
-                            </a:rPr>
-                            <m:t>𝑟</m:t>
-                          </m:r>
-                        </m:sub>
-                      </m:sSub>
+                      <m:r>
+                        <a:rPr lang="en-US" altLang="ja-JP" b="0" i="1" smtClean="0">
+                          <a:latin typeface="Cambria Math" panose="02040503050406030204" pitchFamily="18" charset="0"/>
+                        </a:rPr>
+                        <m:t>𝑅</m:t>
+                      </m:r>
                       <m:d>
                         <m:dPr>
                           <m:ctrlPr>
@@ -6582,31 +6570,12 @@
                           </m:sSub>
                         </m:e>
                       </m:d>
-                      <m:sSub>
-                        <m:sSubPr>
-                          <m:ctrlPr>
-                            <a:rPr lang="en-US" altLang="ja-JP" b="0" i="1" smtClean="0">
-                              <a:latin typeface="Cambria Math" panose="02040503050406030204" pitchFamily="18" charset="0"/>
-                            </a:rPr>
-                          </m:ctrlPr>
-                        </m:sSubPr>
-                        <m:e>
-                          <m:r>
-                            <a:rPr lang="en-US" altLang="ja-JP" b="0" i="1" smtClean="0">
-                              <a:latin typeface="Cambria Math" panose="02040503050406030204" pitchFamily="18" charset="0"/>
-                            </a:rPr>
-                            <m:t>𝜌</m:t>
-                          </m:r>
-                        </m:e>
-                        <m:sub>
-                          <m:r>
-                            <a:rPr lang="en-US" altLang="ja-JP" b="0" i="1" smtClean="0">
-                              <a:latin typeface="Cambria Math" panose="02040503050406030204" pitchFamily="18" charset="0"/>
-                            </a:rPr>
-                            <m:t>𝑔</m:t>
-                          </m:r>
-                        </m:sub>
-                      </m:sSub>
+                      <m:r>
+                        <a:rPr lang="en-US" altLang="ja-JP" b="0" i="1" smtClean="0">
+                          <a:latin typeface="Cambria Math" panose="02040503050406030204" pitchFamily="18" charset="0"/>
+                        </a:rPr>
+                        <m:t>𝐺</m:t>
+                      </m:r>
                       <m:d>
                         <m:dPr>
                           <m:ctrlPr>
@@ -6705,31 +6674,12 @@
               <a:p>
                 <a14:m>
                   <m:oMath xmlns:m="http://schemas.openxmlformats.org/officeDocument/2006/math">
-                    <m:sSub>
-                      <m:sSubPr>
-                        <m:ctrlPr>
-                          <a:rPr lang="en-US" altLang="ja-JP" i="1">
-                            <a:latin typeface="Cambria Math" panose="02040503050406030204" pitchFamily="18" charset="0"/>
-                          </a:rPr>
-                        </m:ctrlPr>
-                      </m:sSubPr>
-                      <m:e>
-                        <m:r>
-                          <a:rPr lang="en-US" altLang="ja-JP" i="1">
-                            <a:latin typeface="Cambria Math" panose="02040503050406030204" pitchFamily="18" charset="0"/>
-                          </a:rPr>
-                          <m:t>𝜌</m:t>
-                        </m:r>
-                      </m:e>
-                      <m:sub>
-                        <m:r>
-                          <a:rPr lang="en-US" altLang="ja-JP" i="1">
-                            <a:latin typeface="Cambria Math" panose="02040503050406030204" pitchFamily="18" charset="0"/>
-                          </a:rPr>
-                          <m:t>𝑟</m:t>
-                        </m:r>
-                      </m:sub>
-                    </m:sSub>
+                    <m:r>
+                      <a:rPr lang="en-US" altLang="ja-JP" b="0" i="1" smtClean="0">
+                        <a:latin typeface="Cambria Math" panose="02040503050406030204" pitchFamily="18" charset="0"/>
+                      </a:rPr>
+                      <m:t>𝑅</m:t>
+                    </m:r>
                     <m:d>
                       <m:dPr>
                         <m:ctrlPr>
@@ -6819,31 +6769,12 @@
                 </a:r>
                 <a14:m>
                   <m:oMath xmlns:m="http://schemas.openxmlformats.org/officeDocument/2006/math">
-                    <m:sSub>
-                      <m:sSubPr>
-                        <m:ctrlPr>
-                          <a:rPr lang="en-US" altLang="ja-JP" b="0" i="1" smtClean="0">
-                            <a:latin typeface="Cambria Math" panose="02040503050406030204" pitchFamily="18" charset="0"/>
-                          </a:rPr>
-                        </m:ctrlPr>
-                      </m:sSubPr>
-                      <m:e>
-                        <m:r>
-                          <a:rPr lang="en-US" altLang="ja-JP" b="0" i="1" smtClean="0">
-                            <a:latin typeface="Cambria Math" panose="02040503050406030204" pitchFamily="18" charset="0"/>
-                          </a:rPr>
-                          <m:t>𝜌</m:t>
-                        </m:r>
-                      </m:e>
-                      <m:sub>
-                        <m:r>
-                          <a:rPr lang="en-US" altLang="ja-JP" b="0" i="1" smtClean="0">
-                            <a:latin typeface="Cambria Math" panose="02040503050406030204" pitchFamily="18" charset="0"/>
-                          </a:rPr>
-                          <m:t>𝑔</m:t>
-                        </m:r>
-                      </m:sub>
-                    </m:sSub>
+                    <m:r>
+                      <a:rPr lang="en-US" altLang="ja-JP" b="0" i="1" smtClean="0">
+                        <a:latin typeface="Cambria Math" panose="02040503050406030204" pitchFamily="18" charset="0"/>
+                      </a:rPr>
+                      <m:t>𝐺</m:t>
+                    </m:r>
                     <m:d>
                       <m:dPr>
                         <m:ctrlPr>
@@ -6998,6 +6929,1029 @@
         <p:cNvPr id="1" name="">
           <a:extLst>
             <a:ext uri="{FF2B5EF4-FFF2-40B4-BE49-F238E27FC236}">
+              <a16:creationId xmlns:a16="http://schemas.microsoft.com/office/drawing/2014/main" id="{9A557939-0CA5-41F5-3ED3-167E0746A7C5}"/>
+            </a:ext>
+          </a:extLst>
+        </p:cNvPr>
+        <p:cNvGrpSpPr/>
+        <p:nvPr/>
+      </p:nvGrpSpPr>
+      <p:grpSpPr>
+        <a:xfrm>
+          <a:off x="0" y="0"/>
+          <a:ext cx="0" cy="0"/>
+          <a:chOff x="0" y="0"/>
+          <a:chExt cx="0" cy="0"/>
+        </a:xfrm>
+      </p:grpSpPr>
+      <p:sp>
+        <p:nvSpPr>
+          <p:cNvPr id="2" name="タイトル 1">
+            <a:extLst>
+              <a:ext uri="{FF2B5EF4-FFF2-40B4-BE49-F238E27FC236}">
+                <a16:creationId xmlns:a16="http://schemas.microsoft.com/office/drawing/2014/main" id="{40CF0F33-76A8-D344-49E8-E376C10621E1}"/>
+              </a:ext>
+            </a:extLst>
+          </p:cNvPr>
+          <p:cNvSpPr>
+            <a:spLocks noGrp="1"/>
+          </p:cNvSpPr>
+          <p:nvPr>
+            <p:ph type="title"/>
+          </p:nvPr>
+        </p:nvSpPr>
+        <p:spPr/>
+        <p:txBody>
+          <a:bodyPr/>
+          <a:lstStyle/>
+          <a:p>
+            <a:r>
+              <a:rPr lang="en-US" altLang="ja-JP"/>
+              <a:t>Specluar Albedo</a:t>
+            </a:r>
+            <a:endParaRPr kumimoji="1" lang="ja-JP" altLang="en-US"/>
+          </a:p>
+        </p:txBody>
+      </p:sp>
+      <mc:AlternateContent xmlns:mc="http://schemas.openxmlformats.org/markup-compatibility/2006">
+        <mc:Choice xmlns:a14="http://schemas.microsoft.com/office/drawing/2010/main" Requires="a14">
+          <p:sp>
+            <p:nvSpPr>
+              <p:cNvPr id="3" name="コンテンツ プレースホルダー 2">
+                <a:extLst>
+                  <a:ext uri="{FF2B5EF4-FFF2-40B4-BE49-F238E27FC236}">
+                    <a16:creationId xmlns:a16="http://schemas.microsoft.com/office/drawing/2014/main" id="{C899739B-3F5F-4D74-77B4-DAB1A6604C48}"/>
+                  </a:ext>
+                </a:extLst>
+              </p:cNvPr>
+              <p:cNvSpPr>
+                <a:spLocks noGrp="1"/>
+              </p:cNvSpPr>
+              <p:nvPr>
+                <p:ph idx="1"/>
+              </p:nvPr>
+            </p:nvSpPr>
+            <p:spPr/>
+            <p:txBody>
+              <a:bodyPr>
+                <a:normAutofit/>
+              </a:bodyPr>
+              <a:lstStyle/>
+              <a:p>
+                <a:endParaRPr kumimoji="1" lang="en-US" altLang="ja-JP" sz="2400"/>
+              </a:p>
+              <a:p>
+                <a:pPr marL="0" indent="0">
+                  <a:buNone/>
+                </a:pPr>
+                <a14:m>
+                  <m:oMathPara xmlns:m="http://schemas.openxmlformats.org/officeDocument/2006/math">
+                    <m:oMathParaPr>
+                      <m:jc m:val="centerGroup"/>
+                    </m:oMathParaPr>
+                    <m:oMath xmlns:m="http://schemas.openxmlformats.org/officeDocument/2006/math">
+                      <m:sSub>
+                        <m:sSubPr>
+                          <m:ctrlPr>
+                            <a:rPr lang="en-US" altLang="ja-JP" sz="2400" b="0" i="1" smtClean="0">
+                              <a:latin typeface="Cambria Math" panose="02040503050406030204" pitchFamily="18" charset="0"/>
+                            </a:rPr>
+                          </m:ctrlPr>
+                        </m:sSubPr>
+                        <m:e>
+                          <m:r>
+                            <a:rPr lang="en-US" altLang="ja-JP" sz="2400" b="0" i="1" smtClean="0">
+                              <a:latin typeface="Cambria Math" panose="02040503050406030204" pitchFamily="18" charset="0"/>
+                            </a:rPr>
+                            <m:t>𝜌</m:t>
+                          </m:r>
+                        </m:e>
+                        <m:sub>
+                          <m:r>
+                            <a:rPr lang="en-US" altLang="ja-JP" sz="2400" b="0" i="1" smtClean="0">
+                              <a:latin typeface="Cambria Math" panose="02040503050406030204" pitchFamily="18" charset="0"/>
+                            </a:rPr>
+                            <m:t>𝑠</m:t>
+                          </m:r>
+                        </m:sub>
+                      </m:sSub>
+                      <m:r>
+                        <a:rPr lang="en-US" altLang="ja-JP" sz="2400" b="0" i="1" smtClean="0">
+                          <a:latin typeface="Cambria Math" panose="02040503050406030204" pitchFamily="18" charset="0"/>
+                        </a:rPr>
+                        <m:t>=</m:t>
+                      </m:r>
+                      <m:f>
+                        <m:fPr>
+                          <m:ctrlPr>
+                            <a:rPr lang="en-US" altLang="ja-JP" sz="2400" b="0" i="1" smtClean="0">
+                              <a:latin typeface="Cambria Math" panose="02040503050406030204" pitchFamily="18" charset="0"/>
+                            </a:rPr>
+                          </m:ctrlPr>
+                        </m:fPr>
+                        <m:num>
+                          <m:nary>
+                            <m:naryPr>
+                              <m:supHide m:val="on"/>
+                              <m:ctrlPr>
+                                <a:rPr lang="en-US" altLang="ja-JP" sz="2400" b="0" i="1" smtClean="0">
+                                  <a:latin typeface="Cambria Math" panose="02040503050406030204" pitchFamily="18" charset="0"/>
+                                </a:rPr>
+                              </m:ctrlPr>
+                            </m:naryPr>
+                            <m:sub>
+                              <m:r>
+                                <m:rPr>
+                                  <m:sty m:val="p"/>
+                                </m:rPr>
+                                <a:rPr lang="en-US" altLang="ja-JP" sz="2400" b="0" i="0" smtClean="0">
+                                  <a:latin typeface="Cambria Math" panose="02040503050406030204" pitchFamily="18" charset="0"/>
+                                </a:rPr>
+                                <m:t>Ω</m:t>
+                              </m:r>
+                            </m:sub>
+                            <m:sup/>
+                            <m:e>
+                              <m:sSub>
+                                <m:sSubPr>
+                                  <m:ctrlPr>
+                                    <a:rPr lang="en-US" altLang="ja-JP" sz="2400" b="0" i="1" smtClean="0">
+                                      <a:latin typeface="Cambria Math" panose="02040503050406030204" pitchFamily="18" charset="0"/>
+                                    </a:rPr>
+                                  </m:ctrlPr>
+                                </m:sSubPr>
+                                <m:e>
+                                  <m:r>
+                                    <a:rPr lang="en-US" altLang="ja-JP" sz="2400" b="0" i="1" smtClean="0">
+                                      <a:latin typeface="Cambria Math" panose="02040503050406030204" pitchFamily="18" charset="0"/>
+                                    </a:rPr>
+                                    <m:t>𝐹</m:t>
+                                  </m:r>
+                                </m:e>
+                                <m:sub>
+                                  <m:r>
+                                    <a:rPr lang="en-US" altLang="ja-JP" sz="2400" b="0" i="1" smtClean="0">
+                                      <a:latin typeface="Cambria Math" panose="02040503050406030204" pitchFamily="18" charset="0"/>
+                                    </a:rPr>
+                                    <m:t>𝑟</m:t>
+                                  </m:r>
+                                </m:sub>
+                              </m:sSub>
+                              <m:d>
+                                <m:dPr>
+                                  <m:ctrlPr>
+                                    <a:rPr lang="en-US" altLang="ja-JP" sz="2400" b="0" i="1" smtClean="0">
+                                      <a:latin typeface="Cambria Math" panose="02040503050406030204" pitchFamily="18" charset="0"/>
+                                    </a:rPr>
+                                  </m:ctrlPr>
+                                </m:dPr>
+                                <m:e>
+                                  <m:r>
+                                    <a:rPr lang="en-US" altLang="ja-JP" sz="2400" b="0" i="1" smtClean="0">
+                                      <a:latin typeface="Cambria Math" panose="02040503050406030204" pitchFamily="18" charset="0"/>
+                                    </a:rPr>
+                                    <m:t>𝜔</m:t>
+                                  </m:r>
+                                </m:e>
+                              </m:d>
+                              <m:r>
+                                <a:rPr lang="en-US" altLang="ja-JP" sz="2400" i="1">
+                                  <a:latin typeface="Cambria Math" panose="02040503050406030204" pitchFamily="18" charset="0"/>
+                                </a:rPr>
+                                <m:t>𝑤</m:t>
+                              </m:r>
+                              <m:d>
+                                <m:dPr>
+                                  <m:ctrlPr>
+                                    <a:rPr lang="en-US" altLang="ja-JP" sz="2400" i="1">
+                                      <a:latin typeface="Cambria Math" panose="02040503050406030204" pitchFamily="18" charset="0"/>
+                                    </a:rPr>
+                                  </m:ctrlPr>
+                                </m:dPr>
+                                <m:e>
+                                  <m:r>
+                                    <a:rPr lang="en-US" altLang="ja-JP" sz="2400" b="0" i="1" smtClean="0">
+                                      <a:latin typeface="Cambria Math" panose="02040503050406030204" pitchFamily="18" charset="0"/>
+                                    </a:rPr>
+                                    <m:t>𝜔</m:t>
+                                  </m:r>
+                                </m:e>
+                              </m:d>
+                              <m:r>
+                                <a:rPr lang="en-US" altLang="ja-JP" sz="2400" i="1">
+                                  <a:latin typeface="Cambria Math" panose="02040503050406030204" pitchFamily="18" charset="0"/>
+                                </a:rPr>
+                                <m:t>𝑑</m:t>
+                              </m:r>
+                              <m:r>
+                                <a:rPr lang="en-US" altLang="ja-JP" sz="2400" i="1">
+                                  <a:latin typeface="Cambria Math" panose="02040503050406030204" pitchFamily="18" charset="0"/>
+                                </a:rPr>
+                                <m:t>𝜔</m:t>
+                              </m:r>
+                            </m:e>
+                          </m:nary>
+                        </m:num>
+                        <m:den>
+                          <m:nary>
+                            <m:naryPr>
+                              <m:supHide m:val="on"/>
+                              <m:ctrlPr>
+                                <a:rPr lang="en-US" altLang="ja-JP" sz="2400" b="0" i="1" smtClean="0">
+                                  <a:latin typeface="Cambria Math" panose="02040503050406030204" pitchFamily="18" charset="0"/>
+                                </a:rPr>
+                              </m:ctrlPr>
+                            </m:naryPr>
+                            <m:sub>
+                              <m:r>
+                                <m:rPr>
+                                  <m:sty m:val="p"/>
+                                </m:rPr>
+                                <a:rPr lang="en-US" altLang="ja-JP" sz="2400" b="0" i="0" smtClean="0">
+                                  <a:latin typeface="Cambria Math" panose="02040503050406030204" pitchFamily="18" charset="0"/>
+                                </a:rPr>
+                                <m:t>Ω</m:t>
+                              </m:r>
+                            </m:sub>
+                            <m:sup/>
+                            <m:e>
+                              <m:r>
+                                <a:rPr lang="en-US" altLang="ja-JP" sz="2400" b="0" i="1" smtClean="0">
+                                  <a:latin typeface="Cambria Math" panose="02040503050406030204" pitchFamily="18" charset="0"/>
+                                </a:rPr>
+                                <m:t>𝑤</m:t>
+                              </m:r>
+                              <m:d>
+                                <m:dPr>
+                                  <m:ctrlPr>
+                                    <a:rPr lang="en-US" altLang="ja-JP" sz="2400" b="0" i="1" smtClean="0">
+                                      <a:latin typeface="Cambria Math" panose="02040503050406030204" pitchFamily="18" charset="0"/>
+                                    </a:rPr>
+                                  </m:ctrlPr>
+                                </m:dPr>
+                                <m:e>
+                                  <m:r>
+                                    <a:rPr lang="en-US" altLang="ja-JP" sz="2400" b="0" i="1" smtClean="0">
+                                      <a:latin typeface="Cambria Math" panose="02040503050406030204" pitchFamily="18" charset="0"/>
+                                    </a:rPr>
+                                    <m:t>𝜔</m:t>
+                                  </m:r>
+                                </m:e>
+                              </m:d>
+                              <m:r>
+                                <a:rPr lang="en-US" altLang="ja-JP" sz="2400" b="0" i="1" smtClean="0">
+                                  <a:latin typeface="Cambria Math" panose="02040503050406030204" pitchFamily="18" charset="0"/>
+                                </a:rPr>
+                                <m:t>𝑑</m:t>
+                              </m:r>
+                              <m:r>
+                                <a:rPr lang="en-US" altLang="ja-JP" sz="2400" b="0" i="1" smtClean="0">
+                                  <a:latin typeface="Cambria Math" panose="02040503050406030204" pitchFamily="18" charset="0"/>
+                                </a:rPr>
+                                <m:t>𝜔</m:t>
+                              </m:r>
+                            </m:e>
+                          </m:nary>
+                        </m:den>
+                      </m:f>
+                    </m:oMath>
+                  </m:oMathPara>
+                </a14:m>
+                <a:br>
+                  <a:rPr lang="en-US" altLang="ja-JP" sz="2400"/>
+                </a:br>
+                <a:endParaRPr lang="en-US" altLang="ja-JP" sz="2400"/>
+              </a:p>
+              <a:p>
+                <a:pPr lvl="8"/>
+                <a:endParaRPr lang="en-US" altLang="ja-JP" sz="1600"/>
+              </a:p>
+              <a:p>
+                <a14:m>
+                  <m:oMath xmlns:m="http://schemas.openxmlformats.org/officeDocument/2006/math">
+                    <m:r>
+                      <a:rPr lang="en-US" altLang="ja-JP" sz="2400" b="0" i="1" smtClean="0">
+                        <a:latin typeface="Cambria Math" panose="02040503050406030204" pitchFamily="18" charset="0"/>
+                      </a:rPr>
+                      <m:t>𝑤</m:t>
+                    </m:r>
+                  </m:oMath>
+                </a14:m>
+                <a:r>
+                  <a:rPr lang="ja-JP" altLang="en-US" sz="2400"/>
+                  <a:t>はフレネル項を除いた</a:t>
+                </a:r>
+                <a:r>
+                  <a:rPr lang="en-US" altLang="ja-JP" sz="2400"/>
+                  <a:t>BRDF*cos</a:t>
+                </a:r>
+              </a:p>
+              <a:p>
+                <a:pPr lvl="1"/>
+                <a:r>
+                  <a:rPr lang="ja-JP" altLang="en-US" sz="2200"/>
+                  <a:t>前項の事前計算データを用いて</a:t>
+                </a:r>
+                <a:endParaRPr lang="en-US" altLang="ja-JP" sz="2200"/>
+              </a:p>
+              <a:p>
+                <a:pPr lvl="8"/>
+                <a:endParaRPr lang="en-US" altLang="ja-JP" sz="1600"/>
+              </a:p>
+              <a:p>
+                <a:pPr marL="0" indent="0">
+                  <a:buNone/>
+                </a:pPr>
+                <a14:m>
+                  <m:oMathPara xmlns:m="http://schemas.openxmlformats.org/officeDocument/2006/math">
+                    <m:oMathParaPr>
+                      <m:jc m:val="centerGroup"/>
+                    </m:oMathParaPr>
+                    <m:oMath xmlns:m="http://schemas.openxmlformats.org/officeDocument/2006/math">
+                      <m:f>
+                        <m:fPr>
+                          <m:ctrlPr>
+                            <a:rPr lang="en-US" altLang="ja-JP" sz="2400" b="0" i="1" smtClean="0">
+                              <a:latin typeface="Cambria Math" panose="02040503050406030204" pitchFamily="18" charset="0"/>
+                            </a:rPr>
+                          </m:ctrlPr>
+                        </m:fPr>
+                        <m:num>
+                          <m:sSub>
+                            <m:sSubPr>
+                              <m:ctrlPr>
+                                <a:rPr lang="en-US" altLang="ja-JP" sz="2400" i="1">
+                                  <a:latin typeface="Cambria Math" panose="02040503050406030204" pitchFamily="18" charset="0"/>
+                                </a:rPr>
+                              </m:ctrlPr>
+                            </m:sSubPr>
+                            <m:e>
+                              <m:r>
+                                <a:rPr lang="en-US" altLang="ja-JP" sz="2400" i="1">
+                                  <a:latin typeface="Cambria Math" panose="02040503050406030204" pitchFamily="18" charset="0"/>
+                                </a:rPr>
+                                <m:t>𝐹</m:t>
+                              </m:r>
+                            </m:e>
+                            <m:sub>
+                              <m:r>
+                                <a:rPr lang="en-US" altLang="ja-JP" sz="2400" i="1">
+                                  <a:latin typeface="Cambria Math" panose="02040503050406030204" pitchFamily="18" charset="0"/>
+                                </a:rPr>
+                                <m:t>0</m:t>
+                              </m:r>
+                            </m:sub>
+                          </m:sSub>
+                          <m:r>
+                            <a:rPr lang="en-US" altLang="ja-JP" sz="2400" i="1">
+                              <a:latin typeface="Cambria Math" panose="02040503050406030204" pitchFamily="18" charset="0"/>
+                            </a:rPr>
+                            <m:t>𝑅</m:t>
+                          </m:r>
+                          <m:d>
+                            <m:dPr>
+                              <m:ctrlPr>
+                                <a:rPr lang="en-US" altLang="ja-JP" sz="2400" i="1">
+                                  <a:latin typeface="Cambria Math" panose="02040503050406030204" pitchFamily="18" charset="0"/>
+                                </a:rPr>
+                              </m:ctrlPr>
+                            </m:dPr>
+                            <m:e>
+                              <m:sSub>
+                                <m:sSubPr>
+                                  <m:ctrlPr>
+                                    <a:rPr lang="en-US" altLang="ja-JP" sz="2400" i="1">
+                                      <a:latin typeface="Cambria Math" panose="02040503050406030204" pitchFamily="18" charset="0"/>
+                                    </a:rPr>
+                                  </m:ctrlPr>
+                                </m:sSubPr>
+                                <m:e>
+                                  <m:r>
+                                    <a:rPr lang="en-US" altLang="ja-JP" sz="2400" i="1">
+                                      <a:latin typeface="Cambria Math" panose="02040503050406030204" pitchFamily="18" charset="0"/>
+                                    </a:rPr>
+                                    <m:t>𝜔</m:t>
+                                  </m:r>
+                                </m:e>
+                                <m:sub>
+                                  <m:r>
+                                    <a:rPr lang="en-US" altLang="ja-JP" sz="2400" i="1">
+                                      <a:latin typeface="Cambria Math" panose="02040503050406030204" pitchFamily="18" charset="0"/>
+                                    </a:rPr>
+                                    <m:t>𝑛</m:t>
+                                  </m:r>
+                                </m:sub>
+                              </m:sSub>
+                              <m:r>
+                                <a:rPr lang="en-US" altLang="ja-JP" sz="2400" i="1">
+                                  <a:latin typeface="Cambria Math" panose="02040503050406030204" pitchFamily="18" charset="0"/>
+                                </a:rPr>
+                                <m:t>∙</m:t>
+                              </m:r>
+                              <m:sSub>
+                                <m:sSubPr>
+                                  <m:ctrlPr>
+                                    <a:rPr lang="en-US" altLang="ja-JP" sz="2400" i="1">
+                                      <a:latin typeface="Cambria Math" panose="02040503050406030204" pitchFamily="18" charset="0"/>
+                                    </a:rPr>
+                                  </m:ctrlPr>
+                                </m:sSubPr>
+                                <m:e>
+                                  <m:r>
+                                    <a:rPr lang="en-US" altLang="ja-JP" sz="2400" i="1">
+                                      <a:latin typeface="Cambria Math" panose="02040503050406030204" pitchFamily="18" charset="0"/>
+                                    </a:rPr>
+                                    <m:t>𝜔</m:t>
+                                  </m:r>
+                                </m:e>
+                                <m:sub>
+                                  <m:r>
+                                    <a:rPr lang="en-US" altLang="ja-JP" sz="2400" i="1">
+                                      <a:latin typeface="Cambria Math" panose="02040503050406030204" pitchFamily="18" charset="0"/>
+                                    </a:rPr>
+                                    <m:t>𝑜</m:t>
+                                  </m:r>
+                                </m:sub>
+                              </m:sSub>
+                              <m:r>
+                                <a:rPr lang="en-US" altLang="ja-JP" sz="2400" i="1">
+                                  <a:latin typeface="Cambria Math" panose="02040503050406030204" pitchFamily="18" charset="0"/>
+                                </a:rPr>
+                                <m:t>,</m:t>
+                              </m:r>
+                              <m:r>
+                                <a:rPr lang="en-US" altLang="ja-JP" sz="2400" i="1">
+                                  <a:latin typeface="Cambria Math" panose="02040503050406030204" pitchFamily="18" charset="0"/>
+                                </a:rPr>
+                                <m:t>𝛼</m:t>
+                              </m:r>
+                            </m:e>
+                          </m:d>
+                          <m:r>
+                            <a:rPr lang="en-US" altLang="ja-JP" sz="2400" i="1">
+                              <a:latin typeface="Cambria Math" panose="02040503050406030204" pitchFamily="18" charset="0"/>
+                            </a:rPr>
+                            <m:t>+</m:t>
+                          </m:r>
+                          <m:d>
+                            <m:dPr>
+                              <m:ctrlPr>
+                                <a:rPr lang="en-US" altLang="ja-JP" sz="2400" i="1">
+                                  <a:latin typeface="Cambria Math" panose="02040503050406030204" pitchFamily="18" charset="0"/>
+                                </a:rPr>
+                              </m:ctrlPr>
+                            </m:dPr>
+                            <m:e>
+                              <m:r>
+                                <a:rPr lang="en-US" altLang="ja-JP" sz="2400" i="1">
+                                  <a:latin typeface="Cambria Math" panose="02040503050406030204" pitchFamily="18" charset="0"/>
+                                </a:rPr>
+                                <m:t>1</m:t>
+                              </m:r>
+                              <m:r>
+                                <a:rPr lang="en-US" altLang="ja-JP" sz="2400" i="1">
+                                  <a:latin typeface="Cambria Math" panose="02040503050406030204" pitchFamily="18" charset="0"/>
+                                </a:rPr>
+                                <m:t>−</m:t>
+                              </m:r>
+                              <m:sSub>
+                                <m:sSubPr>
+                                  <m:ctrlPr>
+                                    <a:rPr lang="en-US" altLang="ja-JP" sz="2400" i="1">
+                                      <a:latin typeface="Cambria Math" panose="02040503050406030204" pitchFamily="18" charset="0"/>
+                                    </a:rPr>
+                                  </m:ctrlPr>
+                                </m:sSubPr>
+                                <m:e>
+                                  <m:r>
+                                    <a:rPr lang="en-US" altLang="ja-JP" sz="2400" i="1">
+                                      <a:latin typeface="Cambria Math" panose="02040503050406030204" pitchFamily="18" charset="0"/>
+                                    </a:rPr>
+                                    <m:t>𝐹</m:t>
+                                  </m:r>
+                                </m:e>
+                                <m:sub>
+                                  <m:r>
+                                    <a:rPr lang="en-US" altLang="ja-JP" sz="2400" i="1">
+                                      <a:latin typeface="Cambria Math" panose="02040503050406030204" pitchFamily="18" charset="0"/>
+                                    </a:rPr>
+                                    <m:t>0</m:t>
+                                  </m:r>
+                                </m:sub>
+                              </m:sSub>
+                            </m:e>
+                          </m:d>
+                          <m:r>
+                            <a:rPr lang="en-US" altLang="ja-JP" sz="2400" i="1">
+                              <a:latin typeface="Cambria Math" panose="02040503050406030204" pitchFamily="18" charset="0"/>
+                            </a:rPr>
+                            <m:t>𝐺</m:t>
+                          </m:r>
+                          <m:d>
+                            <m:dPr>
+                              <m:ctrlPr>
+                                <a:rPr lang="en-US" altLang="ja-JP" sz="2400" i="1">
+                                  <a:latin typeface="Cambria Math" panose="02040503050406030204" pitchFamily="18" charset="0"/>
+                                </a:rPr>
+                              </m:ctrlPr>
+                            </m:dPr>
+                            <m:e>
+                              <m:sSub>
+                                <m:sSubPr>
+                                  <m:ctrlPr>
+                                    <a:rPr lang="en-US" altLang="ja-JP" sz="2400" i="1">
+                                      <a:latin typeface="Cambria Math" panose="02040503050406030204" pitchFamily="18" charset="0"/>
+                                    </a:rPr>
+                                  </m:ctrlPr>
+                                </m:sSubPr>
+                                <m:e>
+                                  <m:r>
+                                    <a:rPr lang="en-US" altLang="ja-JP" sz="2400" i="1">
+                                      <a:latin typeface="Cambria Math" panose="02040503050406030204" pitchFamily="18" charset="0"/>
+                                    </a:rPr>
+                                    <m:t>𝜔</m:t>
+                                  </m:r>
+                                </m:e>
+                                <m:sub>
+                                  <m:r>
+                                    <a:rPr lang="en-US" altLang="ja-JP" sz="2400" i="1">
+                                      <a:latin typeface="Cambria Math" panose="02040503050406030204" pitchFamily="18" charset="0"/>
+                                    </a:rPr>
+                                    <m:t>𝑛</m:t>
+                                  </m:r>
+                                </m:sub>
+                              </m:sSub>
+                              <m:r>
+                                <a:rPr lang="en-US" altLang="ja-JP" sz="2400" i="1">
+                                  <a:latin typeface="Cambria Math" panose="02040503050406030204" pitchFamily="18" charset="0"/>
+                                </a:rPr>
+                                <m:t>∙</m:t>
+                              </m:r>
+                              <m:sSub>
+                                <m:sSubPr>
+                                  <m:ctrlPr>
+                                    <a:rPr lang="en-US" altLang="ja-JP" sz="2400" i="1">
+                                      <a:latin typeface="Cambria Math" panose="02040503050406030204" pitchFamily="18" charset="0"/>
+                                    </a:rPr>
+                                  </m:ctrlPr>
+                                </m:sSubPr>
+                                <m:e>
+                                  <m:r>
+                                    <a:rPr lang="en-US" altLang="ja-JP" sz="2400" i="1">
+                                      <a:latin typeface="Cambria Math" panose="02040503050406030204" pitchFamily="18" charset="0"/>
+                                    </a:rPr>
+                                    <m:t>𝜔</m:t>
+                                  </m:r>
+                                </m:e>
+                                <m:sub>
+                                  <m:r>
+                                    <a:rPr lang="en-US" altLang="ja-JP" sz="2400" i="1">
+                                      <a:latin typeface="Cambria Math" panose="02040503050406030204" pitchFamily="18" charset="0"/>
+                                    </a:rPr>
+                                    <m:t>𝑜</m:t>
+                                  </m:r>
+                                </m:sub>
+                              </m:sSub>
+                              <m:r>
+                                <a:rPr lang="en-US" altLang="ja-JP" sz="2400" i="1">
+                                  <a:latin typeface="Cambria Math" panose="02040503050406030204" pitchFamily="18" charset="0"/>
+                                </a:rPr>
+                                <m:t>,</m:t>
+                              </m:r>
+                              <m:r>
+                                <a:rPr lang="en-US" altLang="ja-JP" sz="2400" i="1">
+                                  <a:latin typeface="Cambria Math" panose="02040503050406030204" pitchFamily="18" charset="0"/>
+                                </a:rPr>
+                                <m:t>𝛼</m:t>
+                              </m:r>
+                            </m:e>
+                          </m:d>
+                        </m:num>
+                        <m:den>
+                          <m:r>
+                            <a:rPr lang="en-US" altLang="ja-JP" sz="2400" i="1">
+                              <a:latin typeface="Cambria Math" panose="02040503050406030204" pitchFamily="18" charset="0"/>
+                            </a:rPr>
+                            <m:t>𝑅</m:t>
+                          </m:r>
+                          <m:d>
+                            <m:dPr>
+                              <m:ctrlPr>
+                                <a:rPr lang="en-US" altLang="ja-JP" sz="2400" i="1">
+                                  <a:latin typeface="Cambria Math" panose="02040503050406030204" pitchFamily="18" charset="0"/>
+                                </a:rPr>
+                              </m:ctrlPr>
+                            </m:dPr>
+                            <m:e>
+                              <m:sSub>
+                                <m:sSubPr>
+                                  <m:ctrlPr>
+                                    <a:rPr lang="en-US" altLang="ja-JP" sz="2400" i="1">
+                                      <a:latin typeface="Cambria Math" panose="02040503050406030204" pitchFamily="18" charset="0"/>
+                                    </a:rPr>
+                                  </m:ctrlPr>
+                                </m:sSubPr>
+                                <m:e>
+                                  <m:r>
+                                    <a:rPr lang="en-US" altLang="ja-JP" sz="2400" i="1">
+                                      <a:latin typeface="Cambria Math" panose="02040503050406030204" pitchFamily="18" charset="0"/>
+                                    </a:rPr>
+                                    <m:t>𝜔</m:t>
+                                  </m:r>
+                                </m:e>
+                                <m:sub>
+                                  <m:r>
+                                    <a:rPr lang="en-US" altLang="ja-JP" sz="2400" i="1">
+                                      <a:latin typeface="Cambria Math" panose="02040503050406030204" pitchFamily="18" charset="0"/>
+                                    </a:rPr>
+                                    <m:t>𝑛</m:t>
+                                  </m:r>
+                                </m:sub>
+                              </m:sSub>
+                              <m:r>
+                                <a:rPr lang="en-US" altLang="ja-JP" sz="2400" i="1">
+                                  <a:latin typeface="Cambria Math" panose="02040503050406030204" pitchFamily="18" charset="0"/>
+                                </a:rPr>
+                                <m:t>∙</m:t>
+                              </m:r>
+                              <m:sSub>
+                                <m:sSubPr>
+                                  <m:ctrlPr>
+                                    <a:rPr lang="en-US" altLang="ja-JP" sz="2400" i="1">
+                                      <a:latin typeface="Cambria Math" panose="02040503050406030204" pitchFamily="18" charset="0"/>
+                                    </a:rPr>
+                                  </m:ctrlPr>
+                                </m:sSubPr>
+                                <m:e>
+                                  <m:r>
+                                    <a:rPr lang="en-US" altLang="ja-JP" sz="2400" i="1">
+                                      <a:latin typeface="Cambria Math" panose="02040503050406030204" pitchFamily="18" charset="0"/>
+                                    </a:rPr>
+                                    <m:t>𝜔</m:t>
+                                  </m:r>
+                                </m:e>
+                                <m:sub>
+                                  <m:r>
+                                    <a:rPr lang="en-US" altLang="ja-JP" sz="2400" i="1">
+                                      <a:latin typeface="Cambria Math" panose="02040503050406030204" pitchFamily="18" charset="0"/>
+                                    </a:rPr>
+                                    <m:t>𝑜</m:t>
+                                  </m:r>
+                                </m:sub>
+                              </m:sSub>
+                              <m:r>
+                                <a:rPr lang="en-US" altLang="ja-JP" sz="2400" i="1">
+                                  <a:latin typeface="Cambria Math" panose="02040503050406030204" pitchFamily="18" charset="0"/>
+                                </a:rPr>
+                                <m:t>,</m:t>
+                              </m:r>
+                              <m:r>
+                                <a:rPr lang="en-US" altLang="ja-JP" sz="2400" i="1">
+                                  <a:latin typeface="Cambria Math" panose="02040503050406030204" pitchFamily="18" charset="0"/>
+                                </a:rPr>
+                                <m:t>𝛼</m:t>
+                              </m:r>
+                            </m:e>
+                          </m:d>
+                        </m:den>
+                      </m:f>
+                      <m:r>
+                        <a:rPr lang="en-US" altLang="ja-JP" sz="2400" b="0" i="1" smtClean="0">
+                          <a:latin typeface="Cambria Math" panose="02040503050406030204" pitchFamily="18" charset="0"/>
+                        </a:rPr>
+                        <m:t>=</m:t>
+                      </m:r>
+                      <m:sSub>
+                        <m:sSubPr>
+                          <m:ctrlPr>
+                            <a:rPr lang="en-US" altLang="ja-JP" sz="2400" b="0" i="1" smtClean="0">
+                              <a:latin typeface="Cambria Math" panose="02040503050406030204" pitchFamily="18" charset="0"/>
+                            </a:rPr>
+                          </m:ctrlPr>
+                        </m:sSubPr>
+                        <m:e>
+                          <m:r>
+                            <a:rPr lang="en-US" altLang="ja-JP" sz="2400" b="0" i="1" smtClean="0">
+                              <a:latin typeface="Cambria Math" panose="02040503050406030204" pitchFamily="18" charset="0"/>
+                            </a:rPr>
+                            <m:t>𝐹</m:t>
+                          </m:r>
+                        </m:e>
+                        <m:sub>
+                          <m:r>
+                            <a:rPr lang="en-US" altLang="ja-JP" sz="2400" b="0" i="1" smtClean="0">
+                              <a:latin typeface="Cambria Math" panose="02040503050406030204" pitchFamily="18" charset="0"/>
+                            </a:rPr>
+                            <m:t>0</m:t>
+                          </m:r>
+                        </m:sub>
+                      </m:sSub>
+                      <m:r>
+                        <a:rPr lang="en-US" altLang="ja-JP" sz="2400" b="0" i="1" smtClean="0">
+                          <a:latin typeface="Cambria Math" panose="02040503050406030204" pitchFamily="18" charset="0"/>
+                        </a:rPr>
+                        <m:t>+</m:t>
+                      </m:r>
+                      <m:d>
+                        <m:dPr>
+                          <m:ctrlPr>
+                            <a:rPr lang="en-US" altLang="ja-JP" sz="2400" b="0" i="1" smtClean="0">
+                              <a:latin typeface="Cambria Math" panose="02040503050406030204" pitchFamily="18" charset="0"/>
+                            </a:rPr>
+                          </m:ctrlPr>
+                        </m:dPr>
+                        <m:e>
+                          <m:r>
+                            <a:rPr lang="en-US" altLang="ja-JP" sz="2400" b="0" i="1" smtClean="0">
+                              <a:latin typeface="Cambria Math" panose="02040503050406030204" pitchFamily="18" charset="0"/>
+                            </a:rPr>
+                            <m:t>1−</m:t>
+                          </m:r>
+                          <m:sSub>
+                            <m:sSubPr>
+                              <m:ctrlPr>
+                                <a:rPr lang="en-US" altLang="ja-JP" sz="2400" b="0" i="1" smtClean="0">
+                                  <a:latin typeface="Cambria Math" panose="02040503050406030204" pitchFamily="18" charset="0"/>
+                                </a:rPr>
+                              </m:ctrlPr>
+                            </m:sSubPr>
+                            <m:e>
+                              <m:r>
+                                <a:rPr lang="en-US" altLang="ja-JP" sz="2400" b="0" i="1" smtClean="0">
+                                  <a:latin typeface="Cambria Math" panose="02040503050406030204" pitchFamily="18" charset="0"/>
+                                </a:rPr>
+                                <m:t>𝐹</m:t>
+                              </m:r>
+                            </m:e>
+                            <m:sub>
+                              <m:r>
+                                <a:rPr lang="en-US" altLang="ja-JP" sz="2400" b="0" i="1" smtClean="0">
+                                  <a:latin typeface="Cambria Math" panose="02040503050406030204" pitchFamily="18" charset="0"/>
+                                </a:rPr>
+                                <m:t>0</m:t>
+                              </m:r>
+                            </m:sub>
+                          </m:sSub>
+                        </m:e>
+                      </m:d>
+                      <m:f>
+                        <m:fPr>
+                          <m:ctrlPr>
+                            <a:rPr lang="en-US" altLang="ja-JP" sz="2400" b="0" i="1" smtClean="0">
+                              <a:latin typeface="Cambria Math" panose="02040503050406030204" pitchFamily="18" charset="0"/>
+                            </a:rPr>
+                          </m:ctrlPr>
+                        </m:fPr>
+                        <m:num>
+                          <m:r>
+                            <a:rPr lang="en-US" altLang="ja-JP" sz="2400" b="0" i="1" smtClean="0">
+                              <a:latin typeface="Cambria Math" panose="02040503050406030204" pitchFamily="18" charset="0"/>
+                            </a:rPr>
+                            <m:t>𝐺</m:t>
+                          </m:r>
+                          <m:d>
+                            <m:dPr>
+                              <m:ctrlPr>
+                                <a:rPr lang="en-US" altLang="ja-JP" sz="2400" b="0" i="1" smtClean="0">
+                                  <a:latin typeface="Cambria Math" panose="02040503050406030204" pitchFamily="18" charset="0"/>
+                                </a:rPr>
+                              </m:ctrlPr>
+                            </m:dPr>
+                            <m:e>
+                              <m:sSub>
+                                <m:sSubPr>
+                                  <m:ctrlPr>
+                                    <a:rPr lang="en-US" altLang="ja-JP" sz="2400" b="0" i="1" smtClean="0">
+                                      <a:latin typeface="Cambria Math" panose="02040503050406030204" pitchFamily="18" charset="0"/>
+                                    </a:rPr>
+                                  </m:ctrlPr>
+                                </m:sSubPr>
+                                <m:e>
+                                  <m:r>
+                                    <a:rPr lang="en-US" altLang="ja-JP" sz="2400" b="0" i="1" smtClean="0">
+                                      <a:latin typeface="Cambria Math" panose="02040503050406030204" pitchFamily="18" charset="0"/>
+                                    </a:rPr>
+                                    <m:t>𝜔</m:t>
+                                  </m:r>
+                                </m:e>
+                                <m:sub>
+                                  <m:r>
+                                    <a:rPr lang="en-US" altLang="ja-JP" sz="2400" b="0" i="1" smtClean="0">
+                                      <a:latin typeface="Cambria Math" panose="02040503050406030204" pitchFamily="18" charset="0"/>
+                                    </a:rPr>
+                                    <m:t>𝑛</m:t>
+                                  </m:r>
+                                </m:sub>
+                              </m:sSub>
+                              <m:r>
+                                <a:rPr lang="en-US" altLang="ja-JP" sz="2400" b="0" i="1" smtClean="0">
+                                  <a:latin typeface="Cambria Math" panose="02040503050406030204" pitchFamily="18" charset="0"/>
+                                </a:rPr>
+                                <m:t>∙</m:t>
+                              </m:r>
+                              <m:sSub>
+                                <m:sSubPr>
+                                  <m:ctrlPr>
+                                    <a:rPr lang="en-US" altLang="ja-JP" sz="2400" b="0" i="1" smtClean="0">
+                                      <a:latin typeface="Cambria Math" panose="02040503050406030204" pitchFamily="18" charset="0"/>
+                                    </a:rPr>
+                                  </m:ctrlPr>
+                                </m:sSubPr>
+                                <m:e>
+                                  <m:r>
+                                    <a:rPr lang="en-US" altLang="ja-JP" sz="2400" b="0" i="1" smtClean="0">
+                                      <a:latin typeface="Cambria Math" panose="02040503050406030204" pitchFamily="18" charset="0"/>
+                                    </a:rPr>
+                                    <m:t>𝜔</m:t>
+                                  </m:r>
+                                </m:e>
+                                <m:sub>
+                                  <m:r>
+                                    <a:rPr lang="en-US" altLang="ja-JP" sz="2400" b="0" i="1" smtClean="0">
+                                      <a:latin typeface="Cambria Math" panose="02040503050406030204" pitchFamily="18" charset="0"/>
+                                    </a:rPr>
+                                    <m:t>𝑜</m:t>
+                                  </m:r>
+                                </m:sub>
+                              </m:sSub>
+                              <m:r>
+                                <a:rPr lang="en-US" altLang="ja-JP" sz="2400" b="0" i="1" smtClean="0">
+                                  <a:latin typeface="Cambria Math" panose="02040503050406030204" pitchFamily="18" charset="0"/>
+                                </a:rPr>
+                                <m:t>,</m:t>
+                              </m:r>
+                              <m:r>
+                                <a:rPr lang="en-US" altLang="ja-JP" sz="2400" b="0" i="1" smtClean="0">
+                                  <a:latin typeface="Cambria Math" panose="02040503050406030204" pitchFamily="18" charset="0"/>
+                                </a:rPr>
+                                <m:t>𝛼</m:t>
+                              </m:r>
+                            </m:e>
+                          </m:d>
+                        </m:num>
+                        <m:den>
+                          <m:r>
+                            <a:rPr lang="en-US" altLang="ja-JP" sz="2400" b="0" i="1" smtClean="0">
+                              <a:latin typeface="Cambria Math" panose="02040503050406030204" pitchFamily="18" charset="0"/>
+                            </a:rPr>
+                            <m:t>𝑅</m:t>
+                          </m:r>
+                          <m:d>
+                            <m:dPr>
+                              <m:ctrlPr>
+                                <a:rPr lang="en-US" altLang="ja-JP" sz="2400" i="1">
+                                  <a:latin typeface="Cambria Math" panose="02040503050406030204" pitchFamily="18" charset="0"/>
+                                </a:rPr>
+                              </m:ctrlPr>
+                            </m:dPr>
+                            <m:e>
+                              <m:sSub>
+                                <m:sSubPr>
+                                  <m:ctrlPr>
+                                    <a:rPr lang="en-US" altLang="ja-JP" sz="2400" i="1">
+                                      <a:latin typeface="Cambria Math" panose="02040503050406030204" pitchFamily="18" charset="0"/>
+                                    </a:rPr>
+                                  </m:ctrlPr>
+                                </m:sSubPr>
+                                <m:e>
+                                  <m:r>
+                                    <a:rPr lang="en-US" altLang="ja-JP" sz="2400" i="1">
+                                      <a:latin typeface="Cambria Math" panose="02040503050406030204" pitchFamily="18" charset="0"/>
+                                    </a:rPr>
+                                    <m:t>𝜔</m:t>
+                                  </m:r>
+                                </m:e>
+                                <m:sub>
+                                  <m:r>
+                                    <a:rPr lang="en-US" altLang="ja-JP" sz="2400" i="1">
+                                      <a:latin typeface="Cambria Math" panose="02040503050406030204" pitchFamily="18" charset="0"/>
+                                    </a:rPr>
+                                    <m:t>𝑛</m:t>
+                                  </m:r>
+                                </m:sub>
+                              </m:sSub>
+                              <m:r>
+                                <a:rPr lang="en-US" altLang="ja-JP" sz="2400" i="1">
+                                  <a:latin typeface="Cambria Math" panose="02040503050406030204" pitchFamily="18" charset="0"/>
+                                </a:rPr>
+                                <m:t>∙</m:t>
+                              </m:r>
+                              <m:sSub>
+                                <m:sSubPr>
+                                  <m:ctrlPr>
+                                    <a:rPr lang="en-US" altLang="ja-JP" sz="2400" i="1">
+                                      <a:latin typeface="Cambria Math" panose="02040503050406030204" pitchFamily="18" charset="0"/>
+                                    </a:rPr>
+                                  </m:ctrlPr>
+                                </m:sSubPr>
+                                <m:e>
+                                  <m:r>
+                                    <a:rPr lang="en-US" altLang="ja-JP" sz="2400" i="1">
+                                      <a:latin typeface="Cambria Math" panose="02040503050406030204" pitchFamily="18" charset="0"/>
+                                    </a:rPr>
+                                    <m:t>𝜔</m:t>
+                                  </m:r>
+                                </m:e>
+                                <m:sub>
+                                  <m:r>
+                                    <a:rPr lang="en-US" altLang="ja-JP" sz="2400" i="1">
+                                      <a:latin typeface="Cambria Math" panose="02040503050406030204" pitchFamily="18" charset="0"/>
+                                    </a:rPr>
+                                    <m:t>𝑜</m:t>
+                                  </m:r>
+                                </m:sub>
+                              </m:sSub>
+                              <m:r>
+                                <a:rPr lang="en-US" altLang="ja-JP" sz="2400" i="1">
+                                  <a:latin typeface="Cambria Math" panose="02040503050406030204" pitchFamily="18" charset="0"/>
+                                </a:rPr>
+                                <m:t>,</m:t>
+                              </m:r>
+                              <m:r>
+                                <a:rPr lang="en-US" altLang="ja-JP" sz="2400" i="1">
+                                  <a:latin typeface="Cambria Math" panose="02040503050406030204" pitchFamily="18" charset="0"/>
+                                </a:rPr>
+                                <m:t>𝛼</m:t>
+                              </m:r>
+                            </m:e>
+                          </m:d>
+                        </m:den>
+                      </m:f>
+                    </m:oMath>
+                  </m:oMathPara>
+                </a14:m>
+                <a:endParaRPr lang="en-US" altLang="ja-JP" sz="2400"/>
+              </a:p>
+              <a:p>
+                <a:endParaRPr lang="en-US" altLang="ja-JP" sz="2400"/>
+              </a:p>
+              <a:p>
+                <a:endParaRPr lang="en-US" altLang="ja-JP" sz="2400"/>
+              </a:p>
+            </p:txBody>
+          </p:sp>
+        </mc:Choice>
+        <mc:Fallback>
+          <p:sp>
+            <p:nvSpPr>
+              <p:cNvPr id="3" name="コンテンツ プレースホルダー 2">
+                <a:extLst>
+                  <a:ext uri="{FF2B5EF4-FFF2-40B4-BE49-F238E27FC236}">
+                    <a16:creationId xmlns:a16="http://schemas.microsoft.com/office/drawing/2014/main" id="{C899739B-3F5F-4D74-77B4-DAB1A6604C48}"/>
+                  </a:ext>
+                </a:extLst>
+              </p:cNvPr>
+              <p:cNvSpPr>
+                <a:spLocks noGrp="1" noRot="1" noChangeAspect="1" noMove="1" noResize="1" noEditPoints="1" noAdjustHandles="1" noChangeArrowheads="1" noChangeShapeType="1" noTextEdit="1"/>
+              </p:cNvSpPr>
+              <p:nvPr>
+                <p:ph idx="1"/>
+              </p:nvPr>
+            </p:nvSpPr>
+            <p:spPr>
+              <a:blipFill>
+                <a:blip r:embed="rId2"/>
+                <a:stretch>
+                  <a:fillRect l="-812"/>
+                </a:stretch>
+              </a:blipFill>
+            </p:spPr>
+            <p:txBody>
+              <a:bodyPr/>
+              <a:lstStyle/>
+              <a:p>
+                <a:r>
+                  <a:rPr lang="ja-JP" altLang="en-US">
+                    <a:noFill/>
+                  </a:rPr>
+                  <a:t> </a:t>
+                </a:r>
+              </a:p>
+            </p:txBody>
+          </p:sp>
+        </mc:Fallback>
+      </mc:AlternateContent>
+    </p:spTree>
+    <p:extLst>
+      <p:ext uri="{BB962C8B-B14F-4D97-AF65-F5344CB8AC3E}">
+        <p14:creationId xmlns:p14="http://schemas.microsoft.com/office/powerpoint/2010/main" val="2079334115"/>
+      </p:ext>
+    </p:extLst>
+  </p:cSld>
+  <p:clrMapOvr>
+    <a:masterClrMapping/>
+  </p:clrMapOvr>
+</p:sld>
+</file>
+
+<file path=ppt/slides/slide14.xml><?xml version="1.0" encoding="utf-8"?>
+<p:sld xmlns:a="http://schemas.openxmlformats.org/drawingml/2006/main" xmlns:r="http://schemas.openxmlformats.org/officeDocument/2006/relationships" xmlns:p="http://schemas.openxmlformats.org/presentationml/2006/main">
+  <p:cSld>
+    <p:spTree>
+      <p:nvGrpSpPr>
+        <p:cNvPr id="1" name="">
+          <a:extLst>
+            <a:ext uri="{FF2B5EF4-FFF2-40B4-BE49-F238E27FC236}">
               <a16:creationId xmlns:a16="http://schemas.microsoft.com/office/drawing/2014/main" id="{44BB5C28-4324-8839-C50E-7F71A91A385F}"/>
             </a:ext>
           </a:extLst>
@@ -7041,8 +7995,8 @@
           </a:p>
         </p:txBody>
       </p:sp>
-      <mc:AlternateContent xmlns:mc="http://schemas.openxmlformats.org/markup-compatibility/2006">
-        <mc:Choice xmlns:a14="http://schemas.microsoft.com/office/drawing/2010/main" Requires="a14">
+      <mc:AlternateContent xmlns:mc="http://schemas.openxmlformats.org/markup-compatibility/2006" xmlns:a14="http://schemas.microsoft.com/office/drawing/2010/main">
+        <mc:Choice Requires="a14">
           <p:sp>
             <p:nvSpPr>
               <p:cNvPr id="3" name="コンテンツ プレースホルダー 2">
@@ -7892,7 +8846,7 @@
             </p:txBody>
           </p:sp>
         </mc:Choice>
-        <mc:Fallback>
+        <mc:Fallback xmlns="">
           <p:sp>
             <p:nvSpPr>
               <p:cNvPr id="3" name="コンテンツ プレースホルダー 2">
@@ -7932,8 +8886,8 @@
           </p:sp>
         </mc:Fallback>
       </mc:AlternateContent>
-      <mc:AlternateContent xmlns:mc="http://schemas.openxmlformats.org/markup-compatibility/2006">
-        <mc:Choice xmlns:a14="http://schemas.microsoft.com/office/drawing/2010/main" Requires="a14">
+      <mc:AlternateContent xmlns:mc="http://schemas.openxmlformats.org/markup-compatibility/2006" xmlns:a14="http://schemas.microsoft.com/office/drawing/2010/main">
+        <mc:Choice Requires="a14">
           <p:sp>
             <p:nvSpPr>
               <p:cNvPr id="5" name="コンテンツ プレースホルダー 4">
@@ -8665,7 +9619,7 @@
             </p:txBody>
           </p:sp>
         </mc:Choice>
-        <mc:Fallback>
+        <mc:Fallback xmlns="">
           <p:sp>
             <p:nvSpPr>
               <p:cNvPr id="5" name="コンテンツ プレースホルダー 4">
@@ -8705,8 +9659,8 @@
           </p:sp>
         </mc:Fallback>
       </mc:AlternateContent>
-      <mc:AlternateContent xmlns:mc="http://schemas.openxmlformats.org/markup-compatibility/2006">
-        <mc:Choice xmlns:a14="http://schemas.microsoft.com/office/drawing/2010/main" Requires="a14">
+      <mc:AlternateContent xmlns:mc="http://schemas.openxmlformats.org/markup-compatibility/2006" xmlns:a14="http://schemas.microsoft.com/office/drawing/2010/main">
+        <mc:Choice Requires="a14">
           <p:sp>
             <p:nvSpPr>
               <p:cNvPr id="6" name="テキスト ボックス 5">
@@ -8799,7 +9753,7 @@
             </p:txBody>
           </p:sp>
         </mc:Choice>
-        <mc:Fallback>
+        <mc:Fallback xmlns="">
           <p:sp>
             <p:nvSpPr>
               <p:cNvPr id="6" name="テキスト ボックス 5">
@@ -8857,7 +9811,7 @@
 </p:sld>
 </file>
 
-<file path=ppt/slides/slide14.xml><?xml version="1.0" encoding="utf-8"?>
+<file path=ppt/slides/slide15.xml><?xml version="1.0" encoding="utf-8"?>
 <p:sld xmlns:a="http://schemas.openxmlformats.org/drawingml/2006/main" xmlns:r="http://schemas.openxmlformats.org/officeDocument/2006/relationships" xmlns:p="http://schemas.openxmlformats.org/presentationml/2006/main">
   <p:cSld>
     <p:spTree>
@@ -8968,7 +9922,7 @@
 </p:sld>
 </file>
 
-<file path=ppt/slides/slide15.xml><?xml version="1.0" encoding="utf-8"?>
+<file path=ppt/slides/slide16.xml><?xml version="1.0" encoding="utf-8"?>
 <p:sld xmlns:a="http://schemas.openxmlformats.org/drawingml/2006/main" xmlns:r="http://schemas.openxmlformats.org/officeDocument/2006/relationships" xmlns:p="http://schemas.openxmlformats.org/presentationml/2006/main">
   <p:cSld>
     <p:spTree>
@@ -9013,8 +9967,8 @@
           </a:p>
         </p:txBody>
       </p:sp>
-      <mc:AlternateContent xmlns:mc="http://schemas.openxmlformats.org/markup-compatibility/2006">
-        <mc:Choice xmlns:a14="http://schemas.microsoft.com/office/drawing/2010/main" Requires="a14">
+      <mc:AlternateContent xmlns:mc="http://schemas.openxmlformats.org/markup-compatibility/2006" xmlns:a14="http://schemas.microsoft.com/office/drawing/2010/main">
+        <mc:Choice Requires="a14">
           <p:sp>
             <p:nvSpPr>
               <p:cNvPr id="3" name="コンテンツ プレースホルダー 2">
@@ -10800,13 +11754,7 @@
                             <a:rPr lang="en-US" altLang="ja-JP" i="1">
                               <a:latin typeface="Cambria Math" panose="02040503050406030204" pitchFamily="18" charset="0"/>
                             </a:rPr>
-                            <m:t>1</m:t>
-                          </m:r>
-                          <m:r>
-                            <a:rPr lang="en-US" altLang="ja-JP" i="1">
-                              <a:latin typeface="Cambria Math" panose="02040503050406030204" pitchFamily="18" charset="0"/>
-                            </a:rPr>
-                            <m:t>−</m:t>
+                            <m:t>1−</m:t>
                           </m:r>
                           <m:sSub>
                             <m:sSubPr>
@@ -11496,7 +12444,7 @@
             </p:txBody>
           </p:sp>
         </mc:Choice>
-        <mc:Fallback>
+        <mc:Fallback xmlns="">
           <p:sp>
             <p:nvSpPr>
               <p:cNvPr id="3" name="コンテンツ プレースホルダー 2">
@@ -11536,8 +12484,8 @@
           </p:sp>
         </mc:Fallback>
       </mc:AlternateContent>
-      <mc:AlternateContent xmlns:mc="http://schemas.openxmlformats.org/markup-compatibility/2006">
-        <mc:Choice xmlns:a14="http://schemas.microsoft.com/office/drawing/2010/main" Requires="a14">
+      <mc:AlternateContent xmlns:mc="http://schemas.openxmlformats.org/markup-compatibility/2006" xmlns:a14="http://schemas.microsoft.com/office/drawing/2010/main">
+        <mc:Choice Requires="a14">
           <p:sp>
             <p:nvSpPr>
               <p:cNvPr id="7" name="テキスト ボックス 6">
@@ -11577,6 +12525,7 @@
                 </a:endParaRPr>
               </a:p>
               <a:p>
+                <a:pPr/>
                 <a14:m>
                   <m:oMathPara xmlns:m="http://schemas.openxmlformats.org/officeDocument/2006/math">
                     <m:oMathParaPr>
@@ -11709,7 +12658,7 @@
             </p:txBody>
           </p:sp>
         </mc:Choice>
-        <mc:Fallback>
+        <mc:Fallback xmlns="">
           <p:sp>
             <p:nvSpPr>
               <p:cNvPr id="7" name="テキスト ボックス 6">
@@ -11767,7 +12716,7 @@
 </p:sld>
 </file>
 
-<file path=ppt/slides/slide16.xml><?xml version="1.0" encoding="utf-8"?>
+<file path=ppt/slides/slide17.xml><?xml version="1.0" encoding="utf-8"?>
 <p:sld xmlns:a="http://schemas.openxmlformats.org/drawingml/2006/main" xmlns:r="http://schemas.openxmlformats.org/officeDocument/2006/relationships" xmlns:p="http://schemas.openxmlformats.org/presentationml/2006/main">
   <p:cSld>
     <p:spTree>
@@ -12054,7 +13003,7 @@
                 </a:r>
                 <a:r>
                   <a:rPr lang="ja-JP" altLang="en-US"/>
-                  <a:t>フレネルを使う場合</a:t>
+                  <a:t>フレネルを使うは解析的に求まる</a:t>
                 </a:r>
                 <a:endParaRPr lang="en-US" altLang="ja-JP"/>
               </a:p>
@@ -12219,41 +13168,6 @@
           </p:sp>
         </mc:Fallback>
       </mc:AlternateContent>
-      <p:sp>
-        <p:nvSpPr>
-          <p:cNvPr id="5" name="テキスト ボックス 4">
-            <a:extLst>
-              <a:ext uri="{FF2B5EF4-FFF2-40B4-BE49-F238E27FC236}">
-                <a16:creationId xmlns:a16="http://schemas.microsoft.com/office/drawing/2014/main" id="{FE8EC76D-67BC-BD60-B26C-DA400EE46750}"/>
-              </a:ext>
-            </a:extLst>
-          </p:cNvPr>
-          <p:cNvSpPr txBox="1"/>
-          <p:nvPr/>
-        </p:nvSpPr>
-        <p:spPr>
-          <a:xfrm>
-            <a:off x="8305800" y="5682121"/>
-            <a:ext cx="6096000" cy="430887"/>
-          </a:xfrm>
-          <a:prstGeom prst="rect">
-            <a:avLst/>
-          </a:prstGeom>
-          <a:noFill/>
-        </p:spPr>
-        <p:txBody>
-          <a:bodyPr wrap="square">
-            <a:spAutoFit/>
-          </a:bodyPr>
-          <a:lstStyle/>
-          <a:p>
-            <a:r>
-              <a:rPr lang="ja-JP" altLang="en-US" sz="1050"/>
-              <a:t>https://blog.selfshadow.com/publications/s2017-shading-course/imageworks/s2017_pbs_imageworks_slides_v2.pdf</a:t>
-            </a:r>
-          </a:p>
-        </p:txBody>
-      </p:sp>
     </p:spTree>
     <p:extLst>
       <p:ext uri="{BB962C8B-B14F-4D97-AF65-F5344CB8AC3E}">
@@ -12267,7 +13181,7 @@
 </p:sld>
 </file>
 
-<file path=ppt/slides/slide17.xml><?xml version="1.0" encoding="utf-8"?>
+<file path=ppt/slides/slide18.xml><?xml version="1.0" encoding="utf-8"?>
 <p:sld xmlns:a="http://schemas.openxmlformats.org/drawingml/2006/main" xmlns:r="http://schemas.openxmlformats.org/officeDocument/2006/relationships" xmlns:p="http://schemas.openxmlformats.org/presentationml/2006/main" show="0">
   <p:cSld>
     <p:spTree>
@@ -12312,8 +13226,8 @@
           </a:p>
         </p:txBody>
       </p:sp>
-      <mc:AlternateContent xmlns:mc="http://schemas.openxmlformats.org/markup-compatibility/2006">
-        <mc:Choice xmlns:a14="http://schemas.microsoft.com/office/drawing/2010/main" Requires="a14">
+      <mc:AlternateContent xmlns:mc="http://schemas.openxmlformats.org/markup-compatibility/2006" xmlns:a14="http://schemas.microsoft.com/office/drawing/2010/main">
+        <mc:Choice Requires="a14">
           <p:sp>
             <p:nvSpPr>
               <p:cNvPr id="3" name="コンテンツ プレースホルダー 2">
@@ -14889,13 +15803,7 @@
                             <a:rPr lang="en-US" altLang="ja-JP" i="1">
                               <a:latin typeface="Cambria Math" panose="02040503050406030204" pitchFamily="18" charset="0"/>
                             </a:rPr>
-                            <m:t>+</m:t>
-                          </m:r>
-                          <m:r>
-                            <a:rPr lang="en-US" altLang="ja-JP" i="1">
-                              <a:latin typeface="Cambria Math" panose="02040503050406030204" pitchFamily="18" charset="0"/>
-                            </a:rPr>
-                            <m:t>1</m:t>
+                            <m:t>+1</m:t>
                           </m:r>
                         </m:num>
                         <m:den>
@@ -14927,7 +15835,7 @@
             </p:txBody>
           </p:sp>
         </mc:Choice>
-        <mc:Fallback>
+        <mc:Fallback xmlns="">
           <p:sp>
             <p:nvSpPr>
               <p:cNvPr id="3" name="コンテンツ プレースホルダー 2">
@@ -14980,7 +15888,7 @@
 </p:sld>
 </file>
 
-<file path=ppt/slides/slide18.xml><?xml version="1.0" encoding="utf-8"?>
+<file path=ppt/slides/slide19.xml><?xml version="1.0" encoding="utf-8"?>
 <p:sld xmlns:a="http://schemas.openxmlformats.org/drawingml/2006/main" xmlns:r="http://schemas.openxmlformats.org/officeDocument/2006/relationships" xmlns:p="http://schemas.openxmlformats.org/presentationml/2006/main">
   <p:cSld>
     <p:spTree>
@@ -15026,8 +15934,8 @@
           </a:p>
         </p:txBody>
       </p:sp>
-      <mc:AlternateContent xmlns:mc="http://schemas.openxmlformats.org/markup-compatibility/2006">
-        <mc:Choice xmlns:a14="http://schemas.microsoft.com/office/drawing/2010/main" Requires="a14">
+      <mc:AlternateContent xmlns:mc="http://schemas.openxmlformats.org/markup-compatibility/2006" xmlns:a14="http://schemas.microsoft.com/office/drawing/2010/main">
+        <mc:Choice Requires="a14">
           <p:sp>
             <p:nvSpPr>
               <p:cNvPr id="6" name="コンテンツ プレースホルダー 5">
@@ -16503,7 +17411,7 @@
             </p:txBody>
           </p:sp>
         </mc:Choice>
-        <mc:Fallback>
+        <mc:Fallback xmlns="">
           <p:sp>
             <p:nvSpPr>
               <p:cNvPr id="6" name="コンテンツ プレースホルダー 5">
@@ -16849,8 +17757,8 @@
               </a:fontRef>
             </p:style>
           </p:cxnSp>
-          <mc:AlternateContent xmlns:mc="http://schemas.openxmlformats.org/markup-compatibility/2006">
-            <mc:Choice xmlns:a14="http://schemas.microsoft.com/office/drawing/2010/main" Requires="a14">
+          <mc:AlternateContent xmlns:mc="http://schemas.openxmlformats.org/markup-compatibility/2006" xmlns:a14="http://schemas.microsoft.com/office/drawing/2010/main">
+            <mc:Choice Requires="a14">
               <p:sp>
                 <p:nvSpPr>
                   <p:cNvPr id="24" name="テキスト ボックス 23">
@@ -16879,6 +17787,7 @@
                   </a:bodyPr>
                   <a:lstStyle/>
                   <a:p>
+                    <a:pPr/>
                     <a14:m>
                       <m:oMathPara xmlns:m="http://schemas.openxmlformats.org/officeDocument/2006/math">
                         <m:oMathParaPr>
@@ -16899,7 +17808,7 @@
                 </p:txBody>
               </p:sp>
             </mc:Choice>
-            <mc:Fallback>
+            <mc:Fallback xmlns="">
               <p:sp>
                 <p:nvSpPr>
                   <p:cNvPr id="24" name="テキスト ボックス 23">
@@ -16944,8 +17853,8 @@
               </p:sp>
             </mc:Fallback>
           </mc:AlternateContent>
-          <mc:AlternateContent xmlns:mc="http://schemas.openxmlformats.org/markup-compatibility/2006">
-            <mc:Choice xmlns:a14="http://schemas.microsoft.com/office/drawing/2010/main" Requires="a14">
+          <mc:AlternateContent xmlns:mc="http://schemas.openxmlformats.org/markup-compatibility/2006" xmlns:a14="http://schemas.microsoft.com/office/drawing/2010/main">
+            <mc:Choice Requires="a14">
               <p:sp>
                 <p:nvSpPr>
                   <p:cNvPr id="25" name="テキスト ボックス 24">
@@ -16974,6 +17883,7 @@
                   </a:bodyPr>
                   <a:lstStyle/>
                   <a:p>
+                    <a:pPr/>
                     <a14:m>
                       <m:oMathPara xmlns:m="http://schemas.openxmlformats.org/officeDocument/2006/math">
                         <m:oMathParaPr>
@@ -16994,7 +17904,7 @@
                 </p:txBody>
               </p:sp>
             </mc:Choice>
-            <mc:Fallback>
+            <mc:Fallback xmlns="">
               <p:sp>
                 <p:nvSpPr>
                   <p:cNvPr id="25" name="テキスト ボックス 24">
@@ -17039,8 +17949,8 @@
               </p:sp>
             </mc:Fallback>
           </mc:AlternateContent>
-          <mc:AlternateContent xmlns:mc="http://schemas.openxmlformats.org/markup-compatibility/2006">
-            <mc:Choice xmlns:a14="http://schemas.microsoft.com/office/drawing/2010/main" Requires="a14">
+          <mc:AlternateContent xmlns:mc="http://schemas.openxmlformats.org/markup-compatibility/2006" xmlns:a14="http://schemas.microsoft.com/office/drawing/2010/main">
+            <mc:Choice Requires="a14">
               <p:sp>
                 <p:nvSpPr>
                   <p:cNvPr id="27" name="テキスト ボックス 26">
@@ -17069,6 +17979,7 @@
                   </a:bodyPr>
                   <a:lstStyle/>
                   <a:p>
+                    <a:pPr/>
                     <a14:m>
                       <m:oMathPara xmlns:m="http://schemas.openxmlformats.org/officeDocument/2006/math">
                         <m:oMathParaPr>
@@ -17108,7 +18019,7 @@
                 </p:txBody>
               </p:sp>
             </mc:Choice>
-            <mc:Fallback>
+            <mc:Fallback xmlns="">
               <p:sp>
                 <p:nvSpPr>
                   <p:cNvPr id="27" name="テキスト ボックス 26">
@@ -17155,8 +18066,8 @@
           </mc:AlternateContent>
         </p:grpSp>
       </p:grpSp>
-      <mc:AlternateContent xmlns:mc="http://schemas.openxmlformats.org/markup-compatibility/2006">
-        <mc:Choice xmlns:a14="http://schemas.microsoft.com/office/drawing/2010/main" Requires="a14">
+      <mc:AlternateContent xmlns:mc="http://schemas.openxmlformats.org/markup-compatibility/2006" xmlns:a14="http://schemas.microsoft.com/office/drawing/2010/main">
+        <mc:Choice Requires="a14">
           <p:sp>
             <p:nvSpPr>
               <p:cNvPr id="28" name="テキスト ボックス 27">
@@ -17230,7 +18141,7 @@
             </p:txBody>
           </p:sp>
         </mc:Choice>
-        <mc:Fallback>
+        <mc:Fallback xmlns="">
           <p:sp>
             <p:nvSpPr>
               <p:cNvPr id="28" name="テキスト ボックス 27">
@@ -17288,7 +18199,467 @@
 </p:sld>
 </file>
 
-<file path=ppt/slides/slide19.xml><?xml version="1.0" encoding="utf-8"?>
+<file path=ppt/slides/slide2.xml><?xml version="1.0" encoding="utf-8"?>
+<p:sld xmlns:a="http://schemas.openxmlformats.org/drawingml/2006/main" xmlns:r="http://schemas.openxmlformats.org/officeDocument/2006/relationships" xmlns:p="http://schemas.openxmlformats.org/presentationml/2006/main">
+  <p:cSld>
+    <p:spTree>
+      <p:nvGrpSpPr>
+        <p:cNvPr id="1" name=""/>
+        <p:cNvGrpSpPr/>
+        <p:nvPr/>
+      </p:nvGrpSpPr>
+      <p:grpSpPr>
+        <a:xfrm>
+          <a:off x="0" y="0"/>
+          <a:ext cx="0" cy="0"/>
+          <a:chOff x="0" y="0"/>
+          <a:chExt cx="0" cy="0"/>
+        </a:xfrm>
+      </p:grpSpPr>
+      <p:sp>
+        <p:nvSpPr>
+          <p:cNvPr id="4" name="タイトル 3">
+            <a:extLst>
+              <a:ext uri="{FF2B5EF4-FFF2-40B4-BE49-F238E27FC236}">
+                <a16:creationId xmlns:a16="http://schemas.microsoft.com/office/drawing/2014/main" id="{319A345D-50AD-B8D3-1E9A-451BE2EE8EA0}"/>
+              </a:ext>
+            </a:extLst>
+          </p:cNvPr>
+          <p:cNvSpPr>
+            <a:spLocks noGrp="1"/>
+          </p:cNvSpPr>
+          <p:nvPr>
+            <p:ph type="title"/>
+          </p:nvPr>
+        </p:nvSpPr>
+        <p:spPr/>
+        <p:txBody>
+          <a:bodyPr/>
+          <a:lstStyle/>
+          <a:p>
+            <a:endParaRPr lang="ja-JP" altLang="en-US"/>
+          </a:p>
+        </p:txBody>
+      </p:sp>
+      <p:sp>
+        <p:nvSpPr>
+          <p:cNvPr id="3" name="コンテンツ プレースホルダー 2">
+            <a:extLst>
+              <a:ext uri="{FF2B5EF4-FFF2-40B4-BE49-F238E27FC236}">
+                <a16:creationId xmlns:a16="http://schemas.microsoft.com/office/drawing/2014/main" id="{A2605423-4377-0DD6-0CB2-24817A2F6DA7}"/>
+              </a:ext>
+            </a:extLst>
+          </p:cNvPr>
+          <p:cNvSpPr>
+            <a:spLocks noGrp="1"/>
+          </p:cNvSpPr>
+          <p:nvPr>
+            <p:ph sz="half" idx="1"/>
+          </p:nvPr>
+        </p:nvSpPr>
+        <p:spPr/>
+        <p:txBody>
+          <a:bodyPr>
+            <a:normAutofit fontScale="40000" lnSpcReduction="20000"/>
+          </a:bodyPr>
+          <a:lstStyle/>
+          <a:p>
+            <a:r>
+              <a:rPr kumimoji="1" lang="ja-JP" altLang="en-US"/>
+              <a:t>さすがに重そうすぎるかな</a:t>
+            </a:r>
+            <a:r>
+              <a:rPr kumimoji="1" lang="en-US" altLang="ja-JP"/>
+              <a:t>…</a:t>
+            </a:r>
+          </a:p>
+          <a:p>
+            <a:pPr lvl="1"/>
+            <a:r>
+              <a:rPr lang="ja-JP" altLang="en-US"/>
+              <a:t>基本は人</a:t>
+            </a:r>
+            <a:endParaRPr kumimoji="1" lang="en-US" altLang="ja-JP"/>
+          </a:p>
+          <a:p>
+            <a:r>
+              <a:rPr lang="en-US" altLang="ja-JP"/>
+              <a:t>sheen</a:t>
+            </a:r>
+          </a:p>
+          <a:p>
+            <a:pPr lvl="1"/>
+            <a:r>
+              <a:rPr lang="en-US" altLang="ja-JP"/>
+              <a:t>color</a:t>
+            </a:r>
+          </a:p>
+          <a:p>
+            <a:pPr lvl="1"/>
+            <a:r>
+              <a:rPr lang="en-US" altLang="ja-JP"/>
+              <a:t>roughness</a:t>
+            </a:r>
+          </a:p>
+          <a:p>
+            <a:r>
+              <a:rPr lang="en-US" altLang="ja-JP"/>
+              <a:t>coat</a:t>
+            </a:r>
+          </a:p>
+          <a:p>
+            <a:pPr lvl="1"/>
+            <a:r>
+              <a:rPr lang="en-US" altLang="ja-JP"/>
+              <a:t>scale</a:t>
+            </a:r>
+          </a:p>
+          <a:p>
+            <a:pPr lvl="1"/>
+            <a:r>
+              <a:rPr lang="en-US" altLang="ja-JP"/>
+              <a:t>F0 (float)</a:t>
+            </a:r>
+          </a:p>
+          <a:p>
+            <a:pPr lvl="1"/>
+            <a:r>
+              <a:rPr lang="en-US" altLang="ja-JP"/>
+              <a:t>roughness</a:t>
+            </a:r>
+          </a:p>
+          <a:p>
+            <a:r>
+              <a:rPr lang="en-US" altLang="ja-JP"/>
+              <a:t>emissive</a:t>
+            </a:r>
+          </a:p>
+          <a:p>
+            <a:pPr lvl="1"/>
+            <a:r>
+              <a:rPr lang="en-US" altLang="ja-JP"/>
+              <a:t>color</a:t>
+            </a:r>
+          </a:p>
+          <a:p>
+            <a:r>
+              <a:rPr lang="en-US" altLang="ja-JP"/>
+              <a:t>specular</a:t>
+            </a:r>
+          </a:p>
+          <a:p>
+            <a:pPr lvl="1"/>
+            <a:r>
+              <a:rPr lang="en-US" altLang="ja-JP"/>
+              <a:t>scale</a:t>
+            </a:r>
+          </a:p>
+          <a:p>
+            <a:pPr lvl="1"/>
+            <a:r>
+              <a:rPr lang="en-US" altLang="ja-JP"/>
+              <a:t>F0</a:t>
+            </a:r>
+          </a:p>
+          <a:p>
+            <a:pPr lvl="1"/>
+            <a:r>
+              <a:rPr lang="en-US" altLang="ja-JP"/>
+              <a:t>roughness</a:t>
+            </a:r>
+          </a:p>
+          <a:p>
+            <a:r>
+              <a:rPr lang="en-US" altLang="ja-JP"/>
+              <a:t>diffuse</a:t>
+            </a:r>
+          </a:p>
+          <a:p>
+            <a:pPr lvl="1"/>
+            <a:r>
+              <a:rPr lang="en-US" altLang="ja-JP"/>
+              <a:t>color</a:t>
+            </a:r>
+          </a:p>
+          <a:p>
+            <a:pPr lvl="1"/>
+            <a:r>
+              <a:rPr lang="en-US" altLang="ja-JP"/>
+              <a:t>roughness</a:t>
+            </a:r>
+          </a:p>
+          <a:p>
+            <a:r>
+              <a:rPr lang="en-US" altLang="ja-JP"/>
+              <a:t>subsurface</a:t>
+            </a:r>
+          </a:p>
+          <a:p>
+            <a:pPr lvl="1"/>
+            <a:endParaRPr lang="en-US" altLang="ja-JP"/>
+          </a:p>
+          <a:p>
+            <a:pPr lvl="1"/>
+            <a:r>
+              <a:rPr lang="en-US" altLang="ja-JP"/>
+              <a:t>scatter distance</a:t>
+            </a:r>
+          </a:p>
+          <a:p>
+            <a:pPr lvl="1"/>
+            <a:endParaRPr kumimoji="1" lang="en-US" altLang="ja-JP"/>
+          </a:p>
+          <a:p>
+            <a:endParaRPr kumimoji="1" lang="ja-JP" altLang="en-US"/>
+          </a:p>
+        </p:txBody>
+      </p:sp>
+      <mc:AlternateContent xmlns:mc="http://schemas.openxmlformats.org/markup-compatibility/2006" xmlns:a14="http://schemas.microsoft.com/office/drawing/2010/main">
+        <mc:Choice Requires="a14">
+          <p:sp>
+            <p:nvSpPr>
+              <p:cNvPr id="5" name="コンテンツ プレースホルダー 4">
+                <a:extLst>
+                  <a:ext uri="{FF2B5EF4-FFF2-40B4-BE49-F238E27FC236}">
+                    <a16:creationId xmlns:a16="http://schemas.microsoft.com/office/drawing/2014/main" id="{2B0ECC19-99B8-6CFD-D13D-FF173B1D37D2}"/>
+                  </a:ext>
+                </a:extLst>
+              </p:cNvPr>
+              <p:cNvSpPr>
+                <a:spLocks noGrp="1"/>
+              </p:cNvSpPr>
+              <p:nvPr>
+                <p:ph sz="half" idx="2"/>
+              </p:nvPr>
+            </p:nvSpPr>
+            <p:spPr/>
+            <p:txBody>
+              <a:bodyPr>
+                <a:normAutofit fontScale="40000" lnSpcReduction="20000"/>
+              </a:bodyPr>
+              <a:lstStyle/>
+              <a:p>
+                <a:r>
+                  <a:rPr lang="ja-JP" altLang="en-US"/>
+                  <a:t>そもそも</a:t>
+                </a:r>
+                <a:r>
+                  <a:rPr lang="en-US" altLang="ja-JP"/>
+                  <a:t>color90</a:t>
+                </a:r>
+                <a:r>
+                  <a:rPr lang="ja-JP" altLang="en-US"/>
+                  <a:t>が思ったのと違った</a:t>
+                </a:r>
+                <a:endParaRPr lang="en-US" altLang="ja-JP"/>
+              </a:p>
+              <a:p>
+                <a:pPr lvl="1"/>
+                <a:r>
+                  <a:rPr lang="ja-JP" altLang="en-US"/>
+                  <a:t>結局は角度</a:t>
+                </a:r>
+                <a:r>
+                  <a:rPr lang="en-US" altLang="ja-JP"/>
+                  <a:t>0</a:t>
+                </a:r>
+                <a:r>
+                  <a:rPr lang="ja-JP" altLang="en-US"/>
+                  <a:t>で反射率</a:t>
+                </a:r>
+                <a:r>
+                  <a:rPr lang="en-US" altLang="ja-JP"/>
+                  <a:t>1</a:t>
+                </a:r>
+                <a:r>
+                  <a:rPr lang="ja-JP" altLang="en-US"/>
+                  <a:t>になる</a:t>
+                </a:r>
+                <a:endParaRPr lang="en-US" altLang="ja-JP"/>
+              </a:p>
+              <a:p>
+                <a:r>
+                  <a:rPr lang="en-US" altLang="ja-JP"/>
+                  <a:t>Fresnel_conductor</a:t>
+                </a:r>
+                <a:r>
+                  <a:rPr lang="ja-JP" altLang="en-US"/>
+                  <a:t>も</a:t>
+                </a:r>
+                <a:r>
+                  <a:rPr lang="en-US" altLang="ja-JP"/>
+                  <a:t>fresnel_dielectric</a:t>
+                </a:r>
+                <a:r>
+                  <a:rPr lang="ja-JP" altLang="en-US"/>
+                  <a:t>も</a:t>
+                </a:r>
+                <a14:m>
+                  <m:oMath xmlns:m="http://schemas.openxmlformats.org/officeDocument/2006/math">
+                    <m:r>
+                      <a:rPr lang="en-US" altLang="ja-JP" b="0" i="1" smtClean="0">
+                        <a:latin typeface="Cambria Math" panose="02040503050406030204" pitchFamily="18" charset="0"/>
+                      </a:rPr>
+                      <m:t>𝜅</m:t>
+                    </m:r>
+                    <m:r>
+                      <a:rPr lang="en-US" altLang="ja-JP" b="0" i="1" smtClean="0">
+                        <a:latin typeface="Cambria Math" panose="02040503050406030204" pitchFamily="18" charset="0"/>
+                      </a:rPr>
+                      <m:t>=0</m:t>
+                    </m:r>
+                  </m:oMath>
+                </a14:m>
+                <a:r>
+                  <a:rPr lang="ja-JP" altLang="en-US"/>
+                  <a:t>なら同じ</a:t>
+                </a:r>
+                <a:endParaRPr lang="en-US" altLang="ja-JP"/>
+              </a:p>
+              <a:p>
+                <a:pPr lvl="1"/>
+                <a:r>
+                  <a:rPr lang="ja-JP" altLang="en-US"/>
+                  <a:t>全反射考慮の有無の差だけ</a:t>
+                </a:r>
+                <a:endParaRPr lang="en-US" altLang="ja-JP"/>
+              </a:p>
+              <a:p>
+                <a:r>
+                  <a:rPr lang="en-US" altLang="ja-JP"/>
+                  <a:t>metal</a:t>
+                </a:r>
+                <a:r>
+                  <a:rPr lang="ja-JP" altLang="en-US"/>
+                  <a:t>の</a:t>
+                </a:r>
+                <a:r>
+                  <a:rPr lang="en-US" altLang="ja-JP"/>
+                  <a:t>thin flim &amp; multi scatte</a:t>
+                </a:r>
+                <a:r>
+                  <a:rPr lang="ja-JP" altLang="en-US"/>
+                  <a:t>は専用のにする</a:t>
+                </a:r>
+                <a:endParaRPr lang="en-US" altLang="ja-JP"/>
+              </a:p>
+              <a:p>
+                <a:pPr lvl="1"/>
+                <a:r>
+                  <a:rPr lang="en-US" altLang="ja-JP"/>
+                  <a:t>multiscatter</a:t>
+                </a:r>
+                <a:r>
+                  <a:rPr lang="ja-JP" altLang="en-US"/>
+                  <a:t>が</a:t>
+                </a:r>
+                <a:r>
+                  <a:rPr lang="en-US" altLang="ja-JP"/>
+                  <a:t>diffuse</a:t>
+                </a:r>
+                <a:r>
+                  <a:rPr lang="ja-JP" altLang="en-US"/>
+                  <a:t>成分的にする</a:t>
+                </a:r>
+                <a:endParaRPr lang="en-US" altLang="ja-JP"/>
+              </a:p>
+              <a:p>
+                <a:pPr lvl="1"/>
+                <a:r>
+                  <a:rPr lang="ja-JP" altLang="en-US"/>
+                  <a:t>別に重すぎることはないから別にいいけど</a:t>
+                </a:r>
+                <a:endParaRPr lang="en-US" altLang="ja-JP"/>
+              </a:p>
+              <a:p>
+                <a:r>
+                  <a:rPr lang="en-US" altLang="ja-JP"/>
+                  <a:t>glass</a:t>
+                </a:r>
+                <a:r>
+                  <a:rPr lang="ja-JP" altLang="en-US"/>
+                  <a:t>も専用</a:t>
+                </a:r>
+                <a:endParaRPr lang="en-US" altLang="ja-JP"/>
+              </a:p>
+              <a:p>
+                <a:pPr lvl="1"/>
+                <a:r>
+                  <a:rPr lang="en-US" altLang="ja-JP"/>
+                  <a:t>roughness</a:t>
+                </a:r>
+                <a:r>
+                  <a:rPr lang="ja-JP" altLang="en-US"/>
+                  <a:t>は</a:t>
+                </a:r>
+                <a:r>
+                  <a:rPr lang="en-US" altLang="ja-JP"/>
+                  <a:t>0</a:t>
+                </a:r>
+              </a:p>
+              <a:p>
+                <a:endParaRPr lang="en-US" altLang="ja-JP"/>
+              </a:p>
+              <a:p>
+                <a:endParaRPr lang="ja-JP" altLang="en-US"/>
+              </a:p>
+            </p:txBody>
+          </p:sp>
+        </mc:Choice>
+        <mc:Fallback xmlns="">
+          <p:sp>
+            <p:nvSpPr>
+              <p:cNvPr id="5" name="コンテンツ プレースホルダー 4">
+                <a:extLst>
+                  <a:ext uri="{FF2B5EF4-FFF2-40B4-BE49-F238E27FC236}">
+                    <a16:creationId xmlns:a16="http://schemas.microsoft.com/office/drawing/2014/main" id="{2B0ECC19-99B8-6CFD-D13D-FF173B1D37D2}"/>
+                  </a:ext>
+                </a:extLst>
+              </p:cNvPr>
+              <p:cNvSpPr>
+                <a:spLocks noGrp="1" noRot="1" noChangeAspect="1" noMove="1" noResize="1" noEditPoints="1" noAdjustHandles="1" noChangeArrowheads="1" noChangeShapeType="1" noTextEdit="1"/>
+              </p:cNvSpPr>
+              <p:nvPr>
+                <p:ph sz="half" idx="2"/>
+              </p:nvPr>
+            </p:nvSpPr>
+            <p:spPr>
+              <a:blipFill>
+                <a:blip r:embed="rId2"/>
+                <a:stretch>
+                  <a:fillRect t="-1120"/>
+                </a:stretch>
+              </a:blipFill>
+            </p:spPr>
+            <p:txBody>
+              <a:bodyPr/>
+              <a:lstStyle/>
+              <a:p>
+                <a:r>
+                  <a:rPr lang="ja-JP" altLang="en-US">
+                    <a:noFill/>
+                  </a:rPr>
+                  <a:t> </a:t>
+                </a:r>
+              </a:p>
+            </p:txBody>
+          </p:sp>
+        </mc:Fallback>
+      </mc:AlternateContent>
+    </p:spTree>
+    <p:extLst>
+      <p:ext uri="{BB962C8B-B14F-4D97-AF65-F5344CB8AC3E}">
+        <p14:creationId xmlns:p14="http://schemas.microsoft.com/office/powerpoint/2010/main" val="2540495862"/>
+      </p:ext>
+    </p:extLst>
+  </p:cSld>
+  <p:clrMapOvr>
+    <a:masterClrMapping/>
+  </p:clrMapOvr>
+</p:sld>
+</file>
+
+<file path=ppt/slides/slide20.xml><?xml version="1.0" encoding="utf-8"?>
 <p:sld xmlns:a="http://schemas.openxmlformats.org/drawingml/2006/main" xmlns:r="http://schemas.openxmlformats.org/officeDocument/2006/relationships" xmlns:p="http://schemas.openxmlformats.org/presentationml/2006/main">
   <p:cSld>
     <p:spTree>
@@ -17340,8 +18711,8 @@
           </a:p>
         </p:txBody>
       </p:sp>
-      <mc:AlternateContent xmlns:mc="http://schemas.openxmlformats.org/markup-compatibility/2006">
-        <mc:Choice xmlns:a14="http://schemas.microsoft.com/office/drawing/2010/main" Requires="a14">
+      <mc:AlternateContent xmlns:mc="http://schemas.openxmlformats.org/markup-compatibility/2006" xmlns:a14="http://schemas.microsoft.com/office/drawing/2010/main">
+        <mc:Choice Requires="a14">
           <p:sp>
             <p:nvSpPr>
               <p:cNvPr id="6" name="コンテンツ プレースホルダー 5">
@@ -18211,7 +19582,7 @@
             </p:txBody>
           </p:sp>
         </mc:Choice>
-        <mc:Fallback>
+        <mc:Fallback xmlns="">
           <p:sp>
             <p:nvSpPr>
               <p:cNvPr id="6" name="コンテンツ プレースホルダー 5">
@@ -18264,467 +19635,7 @@
 </p:sld>
 </file>
 
-<file path=ppt/slides/slide2.xml><?xml version="1.0" encoding="utf-8"?>
-<p:sld xmlns:a="http://schemas.openxmlformats.org/drawingml/2006/main" xmlns:r="http://schemas.openxmlformats.org/officeDocument/2006/relationships" xmlns:p="http://schemas.openxmlformats.org/presentationml/2006/main">
-  <p:cSld>
-    <p:spTree>
-      <p:nvGrpSpPr>
-        <p:cNvPr id="1" name=""/>
-        <p:cNvGrpSpPr/>
-        <p:nvPr/>
-      </p:nvGrpSpPr>
-      <p:grpSpPr>
-        <a:xfrm>
-          <a:off x="0" y="0"/>
-          <a:ext cx="0" cy="0"/>
-          <a:chOff x="0" y="0"/>
-          <a:chExt cx="0" cy="0"/>
-        </a:xfrm>
-      </p:grpSpPr>
-      <p:sp>
-        <p:nvSpPr>
-          <p:cNvPr id="4" name="タイトル 3">
-            <a:extLst>
-              <a:ext uri="{FF2B5EF4-FFF2-40B4-BE49-F238E27FC236}">
-                <a16:creationId xmlns:a16="http://schemas.microsoft.com/office/drawing/2014/main" id="{319A345D-50AD-B8D3-1E9A-451BE2EE8EA0}"/>
-              </a:ext>
-            </a:extLst>
-          </p:cNvPr>
-          <p:cNvSpPr>
-            <a:spLocks noGrp="1"/>
-          </p:cNvSpPr>
-          <p:nvPr>
-            <p:ph type="title"/>
-          </p:nvPr>
-        </p:nvSpPr>
-        <p:spPr/>
-        <p:txBody>
-          <a:bodyPr/>
-          <a:lstStyle/>
-          <a:p>
-            <a:endParaRPr lang="ja-JP" altLang="en-US"/>
-          </a:p>
-        </p:txBody>
-      </p:sp>
-      <p:sp>
-        <p:nvSpPr>
-          <p:cNvPr id="3" name="コンテンツ プレースホルダー 2">
-            <a:extLst>
-              <a:ext uri="{FF2B5EF4-FFF2-40B4-BE49-F238E27FC236}">
-                <a16:creationId xmlns:a16="http://schemas.microsoft.com/office/drawing/2014/main" id="{A2605423-4377-0DD6-0CB2-24817A2F6DA7}"/>
-              </a:ext>
-            </a:extLst>
-          </p:cNvPr>
-          <p:cNvSpPr>
-            <a:spLocks noGrp="1"/>
-          </p:cNvSpPr>
-          <p:nvPr>
-            <p:ph sz="half" idx="1"/>
-          </p:nvPr>
-        </p:nvSpPr>
-        <p:spPr/>
-        <p:txBody>
-          <a:bodyPr>
-            <a:normAutofit fontScale="40000" lnSpcReduction="20000"/>
-          </a:bodyPr>
-          <a:lstStyle/>
-          <a:p>
-            <a:r>
-              <a:rPr kumimoji="1" lang="ja-JP" altLang="en-US"/>
-              <a:t>さすがに重そうすぎるかな</a:t>
-            </a:r>
-            <a:r>
-              <a:rPr kumimoji="1" lang="en-US" altLang="ja-JP"/>
-              <a:t>…</a:t>
-            </a:r>
-          </a:p>
-          <a:p>
-            <a:pPr lvl="1"/>
-            <a:r>
-              <a:rPr lang="ja-JP" altLang="en-US"/>
-              <a:t>基本は人</a:t>
-            </a:r>
-            <a:endParaRPr kumimoji="1" lang="en-US" altLang="ja-JP"/>
-          </a:p>
-          <a:p>
-            <a:r>
-              <a:rPr lang="en-US" altLang="ja-JP"/>
-              <a:t>sheen</a:t>
-            </a:r>
-          </a:p>
-          <a:p>
-            <a:pPr lvl="1"/>
-            <a:r>
-              <a:rPr lang="en-US" altLang="ja-JP"/>
-              <a:t>color</a:t>
-            </a:r>
-          </a:p>
-          <a:p>
-            <a:pPr lvl="1"/>
-            <a:r>
-              <a:rPr lang="en-US" altLang="ja-JP"/>
-              <a:t>roughness</a:t>
-            </a:r>
-          </a:p>
-          <a:p>
-            <a:r>
-              <a:rPr lang="en-US" altLang="ja-JP"/>
-              <a:t>coat</a:t>
-            </a:r>
-          </a:p>
-          <a:p>
-            <a:pPr lvl="1"/>
-            <a:r>
-              <a:rPr lang="en-US" altLang="ja-JP"/>
-              <a:t>scale</a:t>
-            </a:r>
-          </a:p>
-          <a:p>
-            <a:pPr lvl="1"/>
-            <a:r>
-              <a:rPr lang="en-US" altLang="ja-JP"/>
-              <a:t>F0 (float)</a:t>
-            </a:r>
-          </a:p>
-          <a:p>
-            <a:pPr lvl="1"/>
-            <a:r>
-              <a:rPr lang="en-US" altLang="ja-JP"/>
-              <a:t>roughness</a:t>
-            </a:r>
-          </a:p>
-          <a:p>
-            <a:r>
-              <a:rPr lang="en-US" altLang="ja-JP"/>
-              <a:t>emissive</a:t>
-            </a:r>
-          </a:p>
-          <a:p>
-            <a:pPr lvl="1"/>
-            <a:r>
-              <a:rPr lang="en-US" altLang="ja-JP"/>
-              <a:t>color</a:t>
-            </a:r>
-          </a:p>
-          <a:p>
-            <a:r>
-              <a:rPr lang="en-US" altLang="ja-JP"/>
-              <a:t>specular</a:t>
-            </a:r>
-          </a:p>
-          <a:p>
-            <a:pPr lvl="1"/>
-            <a:r>
-              <a:rPr lang="en-US" altLang="ja-JP"/>
-              <a:t>scale</a:t>
-            </a:r>
-          </a:p>
-          <a:p>
-            <a:pPr lvl="1"/>
-            <a:r>
-              <a:rPr lang="en-US" altLang="ja-JP"/>
-              <a:t>F0</a:t>
-            </a:r>
-          </a:p>
-          <a:p>
-            <a:pPr lvl="1"/>
-            <a:r>
-              <a:rPr lang="en-US" altLang="ja-JP"/>
-              <a:t>roughness</a:t>
-            </a:r>
-          </a:p>
-          <a:p>
-            <a:r>
-              <a:rPr lang="en-US" altLang="ja-JP"/>
-              <a:t>diffuse</a:t>
-            </a:r>
-          </a:p>
-          <a:p>
-            <a:pPr lvl="1"/>
-            <a:r>
-              <a:rPr lang="en-US" altLang="ja-JP"/>
-              <a:t>color</a:t>
-            </a:r>
-          </a:p>
-          <a:p>
-            <a:pPr lvl="1"/>
-            <a:r>
-              <a:rPr lang="en-US" altLang="ja-JP"/>
-              <a:t>roughness</a:t>
-            </a:r>
-          </a:p>
-          <a:p>
-            <a:r>
-              <a:rPr lang="en-US" altLang="ja-JP"/>
-              <a:t>subsurface</a:t>
-            </a:r>
-          </a:p>
-          <a:p>
-            <a:pPr lvl="1"/>
-            <a:endParaRPr lang="en-US" altLang="ja-JP"/>
-          </a:p>
-          <a:p>
-            <a:pPr lvl="1"/>
-            <a:r>
-              <a:rPr lang="en-US" altLang="ja-JP"/>
-              <a:t>scatter distance</a:t>
-            </a:r>
-          </a:p>
-          <a:p>
-            <a:pPr lvl="1"/>
-            <a:endParaRPr kumimoji="1" lang="en-US" altLang="ja-JP"/>
-          </a:p>
-          <a:p>
-            <a:endParaRPr kumimoji="1" lang="ja-JP" altLang="en-US"/>
-          </a:p>
-        </p:txBody>
-      </p:sp>
-      <mc:AlternateContent xmlns:mc="http://schemas.openxmlformats.org/markup-compatibility/2006">
-        <mc:Choice xmlns:a14="http://schemas.microsoft.com/office/drawing/2010/main" Requires="a14">
-          <p:sp>
-            <p:nvSpPr>
-              <p:cNvPr id="5" name="コンテンツ プレースホルダー 4">
-                <a:extLst>
-                  <a:ext uri="{FF2B5EF4-FFF2-40B4-BE49-F238E27FC236}">
-                    <a16:creationId xmlns:a16="http://schemas.microsoft.com/office/drawing/2014/main" id="{2B0ECC19-99B8-6CFD-D13D-FF173B1D37D2}"/>
-                  </a:ext>
-                </a:extLst>
-              </p:cNvPr>
-              <p:cNvSpPr>
-                <a:spLocks noGrp="1"/>
-              </p:cNvSpPr>
-              <p:nvPr>
-                <p:ph sz="half" idx="2"/>
-              </p:nvPr>
-            </p:nvSpPr>
-            <p:spPr/>
-            <p:txBody>
-              <a:bodyPr>
-                <a:normAutofit fontScale="40000" lnSpcReduction="20000"/>
-              </a:bodyPr>
-              <a:lstStyle/>
-              <a:p>
-                <a:r>
-                  <a:rPr lang="ja-JP" altLang="en-US"/>
-                  <a:t>そもそも</a:t>
-                </a:r>
-                <a:r>
-                  <a:rPr lang="en-US" altLang="ja-JP"/>
-                  <a:t>color90</a:t>
-                </a:r>
-                <a:r>
-                  <a:rPr lang="ja-JP" altLang="en-US"/>
-                  <a:t>が思ったのと違った</a:t>
-                </a:r>
-                <a:endParaRPr lang="en-US" altLang="ja-JP"/>
-              </a:p>
-              <a:p>
-                <a:pPr lvl="1"/>
-                <a:r>
-                  <a:rPr lang="ja-JP" altLang="en-US"/>
-                  <a:t>結局は角度</a:t>
-                </a:r>
-                <a:r>
-                  <a:rPr lang="en-US" altLang="ja-JP"/>
-                  <a:t>0</a:t>
-                </a:r>
-                <a:r>
-                  <a:rPr lang="ja-JP" altLang="en-US"/>
-                  <a:t>で反射率</a:t>
-                </a:r>
-                <a:r>
-                  <a:rPr lang="en-US" altLang="ja-JP"/>
-                  <a:t>1</a:t>
-                </a:r>
-                <a:r>
-                  <a:rPr lang="ja-JP" altLang="en-US"/>
-                  <a:t>になる</a:t>
-                </a:r>
-                <a:endParaRPr lang="en-US" altLang="ja-JP"/>
-              </a:p>
-              <a:p>
-                <a:r>
-                  <a:rPr lang="en-US" altLang="ja-JP"/>
-                  <a:t>Fresnel_conductor</a:t>
-                </a:r>
-                <a:r>
-                  <a:rPr lang="ja-JP" altLang="en-US"/>
-                  <a:t>も</a:t>
-                </a:r>
-                <a:r>
-                  <a:rPr lang="en-US" altLang="ja-JP"/>
-                  <a:t>fresnel_dielectric</a:t>
-                </a:r>
-                <a:r>
-                  <a:rPr lang="ja-JP" altLang="en-US"/>
-                  <a:t>も</a:t>
-                </a:r>
-                <a14:m>
-                  <m:oMath xmlns:m="http://schemas.openxmlformats.org/officeDocument/2006/math">
-                    <m:r>
-                      <a:rPr lang="en-US" altLang="ja-JP" b="0" i="1" smtClean="0">
-                        <a:latin typeface="Cambria Math" panose="02040503050406030204" pitchFamily="18" charset="0"/>
-                      </a:rPr>
-                      <m:t>𝜅</m:t>
-                    </m:r>
-                    <m:r>
-                      <a:rPr lang="en-US" altLang="ja-JP" b="0" i="1" smtClean="0">
-                        <a:latin typeface="Cambria Math" panose="02040503050406030204" pitchFamily="18" charset="0"/>
-                      </a:rPr>
-                      <m:t>=0</m:t>
-                    </m:r>
-                  </m:oMath>
-                </a14:m>
-                <a:r>
-                  <a:rPr lang="ja-JP" altLang="en-US"/>
-                  <a:t>なら同じ</a:t>
-                </a:r>
-                <a:endParaRPr lang="en-US" altLang="ja-JP"/>
-              </a:p>
-              <a:p>
-                <a:pPr lvl="1"/>
-                <a:r>
-                  <a:rPr lang="ja-JP" altLang="en-US"/>
-                  <a:t>全反射考慮の有無の差だけ</a:t>
-                </a:r>
-                <a:endParaRPr lang="en-US" altLang="ja-JP"/>
-              </a:p>
-              <a:p>
-                <a:r>
-                  <a:rPr lang="en-US" altLang="ja-JP"/>
-                  <a:t>metal</a:t>
-                </a:r>
-                <a:r>
-                  <a:rPr lang="ja-JP" altLang="en-US"/>
-                  <a:t>の</a:t>
-                </a:r>
-                <a:r>
-                  <a:rPr lang="en-US" altLang="ja-JP"/>
-                  <a:t>thin flim &amp; multi scatte</a:t>
-                </a:r>
-                <a:r>
-                  <a:rPr lang="ja-JP" altLang="en-US"/>
-                  <a:t>は専用のにする</a:t>
-                </a:r>
-                <a:endParaRPr lang="en-US" altLang="ja-JP"/>
-              </a:p>
-              <a:p>
-                <a:pPr lvl="1"/>
-                <a:r>
-                  <a:rPr lang="en-US" altLang="ja-JP"/>
-                  <a:t>multiscatter</a:t>
-                </a:r>
-                <a:r>
-                  <a:rPr lang="ja-JP" altLang="en-US"/>
-                  <a:t>が</a:t>
-                </a:r>
-                <a:r>
-                  <a:rPr lang="en-US" altLang="ja-JP"/>
-                  <a:t>diffuse</a:t>
-                </a:r>
-                <a:r>
-                  <a:rPr lang="ja-JP" altLang="en-US"/>
-                  <a:t>成分的にする</a:t>
-                </a:r>
-                <a:endParaRPr lang="en-US" altLang="ja-JP"/>
-              </a:p>
-              <a:p>
-                <a:pPr lvl="1"/>
-                <a:r>
-                  <a:rPr lang="ja-JP" altLang="en-US"/>
-                  <a:t>別に重すぎることはないから別にいいけど</a:t>
-                </a:r>
-                <a:endParaRPr lang="en-US" altLang="ja-JP"/>
-              </a:p>
-              <a:p>
-                <a:r>
-                  <a:rPr lang="en-US" altLang="ja-JP"/>
-                  <a:t>glass</a:t>
-                </a:r>
-                <a:r>
-                  <a:rPr lang="ja-JP" altLang="en-US"/>
-                  <a:t>も専用</a:t>
-                </a:r>
-                <a:endParaRPr lang="en-US" altLang="ja-JP"/>
-              </a:p>
-              <a:p>
-                <a:pPr lvl="1"/>
-                <a:r>
-                  <a:rPr lang="en-US" altLang="ja-JP"/>
-                  <a:t>roughness</a:t>
-                </a:r>
-                <a:r>
-                  <a:rPr lang="ja-JP" altLang="en-US"/>
-                  <a:t>は</a:t>
-                </a:r>
-                <a:r>
-                  <a:rPr lang="en-US" altLang="ja-JP"/>
-                  <a:t>0</a:t>
-                </a:r>
-              </a:p>
-              <a:p>
-                <a:endParaRPr lang="en-US" altLang="ja-JP"/>
-              </a:p>
-              <a:p>
-                <a:endParaRPr lang="ja-JP" altLang="en-US"/>
-              </a:p>
-            </p:txBody>
-          </p:sp>
-        </mc:Choice>
-        <mc:Fallback>
-          <p:sp>
-            <p:nvSpPr>
-              <p:cNvPr id="5" name="コンテンツ プレースホルダー 4">
-                <a:extLst>
-                  <a:ext uri="{FF2B5EF4-FFF2-40B4-BE49-F238E27FC236}">
-                    <a16:creationId xmlns:a16="http://schemas.microsoft.com/office/drawing/2014/main" id="{2B0ECC19-99B8-6CFD-D13D-FF173B1D37D2}"/>
-                  </a:ext>
-                </a:extLst>
-              </p:cNvPr>
-              <p:cNvSpPr>
-                <a:spLocks noGrp="1" noRot="1" noChangeAspect="1" noMove="1" noResize="1" noEditPoints="1" noAdjustHandles="1" noChangeArrowheads="1" noChangeShapeType="1" noTextEdit="1"/>
-              </p:cNvSpPr>
-              <p:nvPr>
-                <p:ph sz="half" idx="2"/>
-              </p:nvPr>
-            </p:nvSpPr>
-            <p:spPr>
-              <a:blipFill>
-                <a:blip r:embed="rId2"/>
-                <a:stretch>
-                  <a:fillRect t="-1120"/>
-                </a:stretch>
-              </a:blipFill>
-            </p:spPr>
-            <p:txBody>
-              <a:bodyPr/>
-              <a:lstStyle/>
-              <a:p>
-                <a:r>
-                  <a:rPr lang="ja-JP" altLang="en-US">
-                    <a:noFill/>
-                  </a:rPr>
-                  <a:t> </a:t>
-                </a:r>
-              </a:p>
-            </p:txBody>
-          </p:sp>
-        </mc:Fallback>
-      </mc:AlternateContent>
-    </p:spTree>
-    <p:extLst>
-      <p:ext uri="{BB962C8B-B14F-4D97-AF65-F5344CB8AC3E}">
-        <p14:creationId xmlns:p14="http://schemas.microsoft.com/office/powerpoint/2010/main" val="2540495862"/>
-      </p:ext>
-    </p:extLst>
-  </p:cSld>
-  <p:clrMapOvr>
-    <a:masterClrMapping/>
-  </p:clrMapOvr>
-</p:sld>
-</file>
-
-<file path=ppt/slides/slide20.xml><?xml version="1.0" encoding="utf-8"?>
+<file path=ppt/slides/slide21.xml><?xml version="1.0" encoding="utf-8"?>
 <p:sld xmlns:a="http://schemas.openxmlformats.org/drawingml/2006/main" xmlns:r="http://schemas.openxmlformats.org/officeDocument/2006/relationships" xmlns:p="http://schemas.openxmlformats.org/presentationml/2006/main">
   <p:cSld>
     <p:spTree>
@@ -18776,8 +19687,8 @@
           </a:p>
         </p:txBody>
       </p:sp>
-      <mc:AlternateContent xmlns:mc="http://schemas.openxmlformats.org/markup-compatibility/2006">
-        <mc:Choice xmlns:a14="http://schemas.microsoft.com/office/drawing/2010/main" Requires="a14">
+      <mc:AlternateContent xmlns:mc="http://schemas.openxmlformats.org/markup-compatibility/2006" xmlns:a14="http://schemas.microsoft.com/office/drawing/2010/main">
+        <mc:Choice Requires="a14">
           <p:sp>
             <p:nvSpPr>
               <p:cNvPr id="6" name="コンテンツ プレースホルダー 5">
@@ -19922,7 +20833,7 @@
             </p:txBody>
           </p:sp>
         </mc:Choice>
-        <mc:Fallback>
+        <mc:Fallback xmlns="">
           <p:sp>
             <p:nvSpPr>
               <p:cNvPr id="6" name="コンテンツ プレースホルダー 5">
@@ -19975,7 +20886,7 @@
 </p:sld>
 </file>
 
-<file path=ppt/slides/slide21.xml><?xml version="1.0" encoding="utf-8"?>
+<file path=ppt/slides/slide22.xml><?xml version="1.0" encoding="utf-8"?>
 <p:sld xmlns:a="http://schemas.openxmlformats.org/drawingml/2006/main" xmlns:r="http://schemas.openxmlformats.org/officeDocument/2006/relationships" xmlns:p="http://schemas.openxmlformats.org/presentationml/2006/main">
   <p:cSld>
     <p:spTree>
@@ -20021,8 +20932,8 @@
           </a:p>
         </p:txBody>
       </p:sp>
-      <mc:AlternateContent xmlns:mc="http://schemas.openxmlformats.org/markup-compatibility/2006">
-        <mc:Choice xmlns:a14="http://schemas.microsoft.com/office/drawing/2010/main" Requires="a14">
+      <mc:AlternateContent xmlns:mc="http://schemas.openxmlformats.org/markup-compatibility/2006" xmlns:a14="http://schemas.microsoft.com/office/drawing/2010/main">
+        <mc:Choice Requires="a14">
           <p:sp>
             <p:nvSpPr>
               <p:cNvPr id="3" name="コンテンツ プレースホルダー 2">
@@ -21068,7 +21979,7 @@
             </p:txBody>
           </p:sp>
         </mc:Choice>
-        <mc:Fallback>
+        <mc:Fallback xmlns="">
           <p:sp>
             <p:nvSpPr>
               <p:cNvPr id="3" name="コンテンツ プレースホルダー 2">
@@ -21121,7 +22032,7 @@
 </p:sld>
 </file>
 
-<file path=ppt/slides/slide22.xml><?xml version="1.0" encoding="utf-8"?>
+<file path=ppt/slides/slide23.xml><?xml version="1.0" encoding="utf-8"?>
 <p:sld xmlns:a="http://schemas.openxmlformats.org/drawingml/2006/main" xmlns:r="http://schemas.openxmlformats.org/officeDocument/2006/relationships" xmlns:p="http://schemas.openxmlformats.org/presentationml/2006/main">
   <p:cSld>
     <p:spTree>
@@ -21167,8 +22078,8 @@
           </a:p>
         </p:txBody>
       </p:sp>
-      <mc:AlternateContent xmlns:mc="http://schemas.openxmlformats.org/markup-compatibility/2006">
-        <mc:Choice xmlns:a14="http://schemas.microsoft.com/office/drawing/2010/main" Requires="a14">
+      <mc:AlternateContent xmlns:mc="http://schemas.openxmlformats.org/markup-compatibility/2006" xmlns:a14="http://schemas.microsoft.com/office/drawing/2010/main">
+        <mc:Choice Requires="a14">
           <p:sp>
             <p:nvSpPr>
               <p:cNvPr id="3" name="コンテンツ プレースホルダー 2">
@@ -22020,7 +22931,7 @@
             </p:txBody>
           </p:sp>
         </mc:Choice>
-        <mc:Fallback>
+        <mc:Fallback xmlns="">
           <p:sp>
             <p:nvSpPr>
               <p:cNvPr id="3" name="コンテンツ プレースホルダー 2">
@@ -22060,6 +22971,373 @@
           </p:sp>
         </mc:Fallback>
       </mc:AlternateContent>
+      <mc:AlternateContent xmlns:mc="http://schemas.openxmlformats.org/markup-compatibility/2006">
+        <mc:Choice xmlns:a14="http://schemas.microsoft.com/office/drawing/2010/main" Requires="a14">
+          <p:sp>
+            <p:nvSpPr>
+              <p:cNvPr id="4" name="テキスト ボックス 3">
+                <a:extLst>
+                  <a:ext uri="{FF2B5EF4-FFF2-40B4-BE49-F238E27FC236}">
+                    <a16:creationId xmlns:a16="http://schemas.microsoft.com/office/drawing/2014/main" id="{3958231E-1AE3-805B-2E33-651F0AC64E37}"/>
+                  </a:ext>
+                </a:extLst>
+              </p:cNvPr>
+              <p:cNvSpPr txBox="1"/>
+              <p:nvPr/>
+            </p:nvSpPr>
+            <p:spPr>
+              <a:xfrm>
+                <a:off x="7603068" y="681037"/>
+                <a:ext cx="4125809" cy="925190"/>
+              </a:xfrm>
+              <a:prstGeom prst="rect">
+                <a:avLst/>
+              </a:prstGeom>
+              <a:noFill/>
+            </p:spPr>
+            <p:txBody>
+              <a:bodyPr wrap="none" rtlCol="0">
+                <a:spAutoFit/>
+              </a:bodyPr>
+              <a:lstStyle/>
+              <a:p>
+                <a:r>
+                  <a:rPr kumimoji="1" lang="ja-JP" altLang="en-US" b="0">
+                    <a:latin typeface="Cambria Math" panose="02040503050406030204" pitchFamily="18" charset="0"/>
+                  </a:rPr>
+                  <a:t>以下の形で評価がよい</a:t>
+                </a:r>
+                <a:br>
+                  <a:rPr kumimoji="1" lang="en-US" altLang="ja-JP" b="0" i="1">
+                    <a:latin typeface="Cambria Math" panose="02040503050406030204" pitchFamily="18" charset="0"/>
+                  </a:rPr>
+                </a:br>
+                <a14:m>
+                  <m:oMathPara xmlns:m="http://schemas.openxmlformats.org/officeDocument/2006/math">
+                    <m:oMathParaPr>
+                      <m:jc m:val="centerGroup"/>
+                    </m:oMathParaPr>
+                    <m:oMath xmlns:m="http://schemas.openxmlformats.org/officeDocument/2006/math">
+                      <m:f>
+                        <m:fPr>
+                          <m:ctrlPr>
+                            <a:rPr kumimoji="1" lang="en-US" altLang="ja-JP" b="0" i="1" smtClean="0">
+                              <a:latin typeface="Cambria Math" panose="02040503050406030204" pitchFamily="18" charset="0"/>
+                            </a:rPr>
+                          </m:ctrlPr>
+                        </m:fPr>
+                        <m:num>
+                          <m:r>
+                            <a:rPr kumimoji="1" lang="en-US" altLang="ja-JP" b="0" i="1" smtClean="0">
+                              <a:latin typeface="Cambria Math" panose="02040503050406030204" pitchFamily="18" charset="0"/>
+                            </a:rPr>
+                            <m:t>𝐸</m:t>
+                          </m:r>
+                          <m:d>
+                            <m:dPr>
+                              <m:ctrlPr>
+                                <a:rPr kumimoji="1" lang="en-US" altLang="ja-JP" b="0" i="1" smtClean="0">
+                                  <a:latin typeface="Cambria Math" panose="02040503050406030204" pitchFamily="18" charset="0"/>
+                                </a:rPr>
+                              </m:ctrlPr>
+                            </m:dPr>
+                            <m:e>
+                              <m:r>
+                                <a:rPr kumimoji="1" lang="en-US" altLang="ja-JP" b="0" i="1" smtClean="0">
+                                  <a:latin typeface="Cambria Math" panose="02040503050406030204" pitchFamily="18" charset="0"/>
+                                </a:rPr>
+                                <m:t>1+</m:t>
+                              </m:r>
+                              <m:sSup>
+                                <m:sSupPr>
+                                  <m:ctrlPr>
+                                    <a:rPr kumimoji="1" lang="en-US" altLang="ja-JP" b="0" i="1" smtClean="0">
+                                      <a:latin typeface="Cambria Math" panose="02040503050406030204" pitchFamily="18" charset="0"/>
+                                    </a:rPr>
+                                  </m:ctrlPr>
+                                </m:sSupPr>
+                                <m:e>
+                                  <m:r>
+                                    <a:rPr kumimoji="1" lang="en-US" altLang="ja-JP" b="0" i="1" smtClean="0">
+                                      <a:latin typeface="Cambria Math" panose="02040503050406030204" pitchFamily="18" charset="0"/>
+                                    </a:rPr>
+                                    <m:t>𝐸</m:t>
+                                  </m:r>
+                                </m:e>
+                                <m:sup>
+                                  <m:r>
+                                    <a:rPr kumimoji="1" lang="en-US" altLang="ja-JP" b="0" i="1" smtClean="0">
+                                      <a:latin typeface="Cambria Math" panose="02040503050406030204" pitchFamily="18" charset="0"/>
+                                    </a:rPr>
+                                    <m:t>2</m:t>
+                                  </m:r>
+                                </m:sup>
+                              </m:sSup>
+                            </m:e>
+                          </m:d>
+                        </m:num>
+                        <m:den>
+                          <m:r>
+                            <a:rPr kumimoji="1" lang="en-US" altLang="ja-JP" b="0" i="1" smtClean="0">
+                              <a:latin typeface="Cambria Math" panose="02040503050406030204" pitchFamily="18" charset="0"/>
+                            </a:rPr>
+                            <m:t>8</m:t>
+                          </m:r>
+                          <m:r>
+                            <a:rPr kumimoji="1" lang="en-US" altLang="ja-JP" b="0" i="1" smtClean="0">
+                              <a:latin typeface="Cambria Math" panose="02040503050406030204" pitchFamily="18" charset="0"/>
+                            </a:rPr>
+                            <m:t>𝜋</m:t>
+                          </m:r>
+                          <m:r>
+                            <m:rPr>
+                              <m:sty m:val="p"/>
+                            </m:rPr>
+                            <a:rPr kumimoji="1" lang="en-US" altLang="ja-JP" b="0" i="1" smtClean="0">
+                              <a:latin typeface="Cambria Math" panose="02040503050406030204" pitchFamily="18" charset="0"/>
+                            </a:rPr>
+                            <m:t>dr</m:t>
+                          </m:r>
+                        </m:den>
+                      </m:f>
+                      <m:r>
+                        <a:rPr kumimoji="1" lang="en-US" altLang="ja-JP" b="0" i="1" smtClean="0">
+                          <a:latin typeface="Cambria Math" panose="02040503050406030204" pitchFamily="18" charset="0"/>
+                        </a:rPr>
+                        <m:t>,  </m:t>
+                      </m:r>
+                      <m:r>
+                        <a:rPr kumimoji="1" lang="en-US" altLang="ja-JP" i="1" smtClean="0">
+                          <a:latin typeface="Cambria Math" panose="02040503050406030204" pitchFamily="18" charset="0"/>
+                        </a:rPr>
+                        <m:t>𝐸</m:t>
+                      </m:r>
+                      <m:r>
+                        <a:rPr kumimoji="1" lang="en-US" altLang="ja-JP" i="1" smtClean="0">
+                          <a:latin typeface="Cambria Math" panose="02040503050406030204" pitchFamily="18" charset="0"/>
+                        </a:rPr>
+                        <m:t>=</m:t>
+                      </m:r>
+                      <m:sSup>
+                        <m:sSupPr>
+                          <m:ctrlPr>
+                            <a:rPr kumimoji="1" lang="en-US" altLang="ja-JP" i="1">
+                              <a:latin typeface="Cambria Math" panose="02040503050406030204" pitchFamily="18" charset="0"/>
+                            </a:rPr>
+                          </m:ctrlPr>
+                        </m:sSupPr>
+                        <m:e>
+                          <m:r>
+                            <a:rPr kumimoji="1" lang="en-US" altLang="ja-JP" i="1">
+                              <a:latin typeface="Cambria Math" panose="02040503050406030204" pitchFamily="18" charset="0"/>
+                            </a:rPr>
+                            <m:t>𝑒</m:t>
+                          </m:r>
+                        </m:e>
+                        <m:sup>
+                          <m:r>
+                            <a:rPr kumimoji="1" lang="en-US" altLang="ja-JP" i="1">
+                              <a:latin typeface="Cambria Math" panose="02040503050406030204" pitchFamily="18" charset="0"/>
+                            </a:rPr>
+                            <m:t>−</m:t>
+                          </m:r>
+                          <m:f>
+                            <m:fPr>
+                              <m:ctrlPr>
+                                <a:rPr kumimoji="1" lang="en-US" altLang="ja-JP" i="1">
+                                  <a:latin typeface="Cambria Math" panose="02040503050406030204" pitchFamily="18" charset="0"/>
+                                </a:rPr>
+                              </m:ctrlPr>
+                            </m:fPr>
+                            <m:num>
+                              <m:r>
+                                <a:rPr kumimoji="1" lang="en-US" altLang="ja-JP" i="1">
+                                  <a:latin typeface="Cambria Math" panose="02040503050406030204" pitchFamily="18" charset="0"/>
+                                </a:rPr>
+                                <m:t>𝑟</m:t>
+                              </m:r>
+                            </m:num>
+                            <m:den>
+                              <m:r>
+                                <a:rPr kumimoji="1" lang="en-US" altLang="ja-JP" i="1">
+                                  <a:latin typeface="Cambria Math" panose="02040503050406030204" pitchFamily="18" charset="0"/>
+                                </a:rPr>
+                                <m:t>3</m:t>
+                              </m:r>
+                              <m:r>
+                                <a:rPr kumimoji="1" lang="en-US" altLang="ja-JP" i="1">
+                                  <a:latin typeface="Cambria Math" panose="02040503050406030204" pitchFamily="18" charset="0"/>
+                                </a:rPr>
+                                <m:t>𝑑</m:t>
+                              </m:r>
+                            </m:den>
+                          </m:f>
+                        </m:sup>
+                      </m:sSup>
+                      <m:r>
+                        <a:rPr kumimoji="1" lang="en-US" altLang="ja-JP" b="0" i="1" smtClean="0">
+                          <a:latin typeface="Cambria Math" panose="02040503050406030204" pitchFamily="18" charset="0"/>
+                        </a:rPr>
+                        <m:t>=</m:t>
+                      </m:r>
+                      <m:sSup>
+                        <m:sSupPr>
+                          <m:ctrlPr>
+                            <a:rPr kumimoji="1" lang="en-US" altLang="ja-JP" b="0" i="1" smtClean="0">
+                              <a:latin typeface="Cambria Math" panose="02040503050406030204" pitchFamily="18" charset="0"/>
+                            </a:rPr>
+                          </m:ctrlPr>
+                        </m:sSupPr>
+                        <m:e>
+                          <m:r>
+                            <a:rPr kumimoji="1" lang="en-US" altLang="ja-JP" b="0" i="1" smtClean="0">
+                              <a:latin typeface="Cambria Math" panose="02040503050406030204" pitchFamily="18" charset="0"/>
+                            </a:rPr>
+                            <m:t>2</m:t>
+                          </m:r>
+                        </m:e>
+                        <m:sup>
+                          <m:r>
+                            <a:rPr kumimoji="1" lang="en-US" altLang="ja-JP" b="0" i="1" smtClean="0">
+                              <a:latin typeface="Cambria Math" panose="02040503050406030204" pitchFamily="18" charset="0"/>
+                            </a:rPr>
+                            <m:t>−</m:t>
+                          </m:r>
+                          <m:f>
+                            <m:fPr>
+                              <m:ctrlPr>
+                                <a:rPr kumimoji="1" lang="en-US" altLang="ja-JP" b="0" i="1" smtClean="0">
+                                  <a:latin typeface="Cambria Math" panose="02040503050406030204" pitchFamily="18" charset="0"/>
+                                </a:rPr>
+                              </m:ctrlPr>
+                            </m:fPr>
+                            <m:num>
+                              <m:r>
+                                <a:rPr kumimoji="1" lang="en-US" altLang="ja-JP" b="0" i="1" smtClean="0">
+                                  <a:latin typeface="Cambria Math" panose="02040503050406030204" pitchFamily="18" charset="0"/>
+                                </a:rPr>
+                                <m:t>𝑟</m:t>
+                              </m:r>
+                            </m:num>
+                            <m:den>
+                              <m:r>
+                                <a:rPr kumimoji="1" lang="en-US" altLang="ja-JP" b="0" i="1" smtClean="0">
+                                  <a:latin typeface="Cambria Math" panose="02040503050406030204" pitchFamily="18" charset="0"/>
+                                </a:rPr>
+                                <m:t>3</m:t>
+                              </m:r>
+                              <m:r>
+                                <a:rPr kumimoji="1" lang="en-US" altLang="ja-JP" b="0" i="1" smtClean="0">
+                                  <a:latin typeface="Cambria Math" panose="02040503050406030204" pitchFamily="18" charset="0"/>
+                                </a:rPr>
+                                <m:t>𝑑</m:t>
+                              </m:r>
+                            </m:den>
+                          </m:f>
+                          <m:func>
+                            <m:funcPr>
+                              <m:ctrlPr>
+                                <a:rPr kumimoji="1" lang="en-US" altLang="ja-JP" b="0" i="1" smtClean="0">
+                                  <a:latin typeface="Cambria Math" panose="02040503050406030204" pitchFamily="18" charset="0"/>
+                                </a:rPr>
+                              </m:ctrlPr>
+                            </m:funcPr>
+                            <m:fName>
+                              <m:sSub>
+                                <m:sSubPr>
+                                  <m:ctrlPr>
+                                    <a:rPr kumimoji="1" lang="en-US" altLang="ja-JP" b="0" i="1" smtClean="0">
+                                      <a:latin typeface="Cambria Math" panose="02040503050406030204" pitchFamily="18" charset="0"/>
+                                    </a:rPr>
+                                  </m:ctrlPr>
+                                </m:sSubPr>
+                                <m:e>
+                                  <m:r>
+                                    <m:rPr>
+                                      <m:sty m:val="p"/>
+                                    </m:rPr>
+                                    <a:rPr kumimoji="1" lang="en-US" altLang="ja-JP" b="0" i="0" smtClean="0">
+                                      <a:latin typeface="Cambria Math" panose="02040503050406030204" pitchFamily="18" charset="0"/>
+                                    </a:rPr>
+                                    <m:t>log</m:t>
+                                  </m:r>
+                                </m:e>
+                                <m:sub>
+                                  <m:r>
+                                    <a:rPr kumimoji="1" lang="en-US" altLang="ja-JP" b="0" i="1" smtClean="0">
+                                      <a:latin typeface="Cambria Math" panose="02040503050406030204" pitchFamily="18" charset="0"/>
+                                    </a:rPr>
+                                    <m:t>2</m:t>
+                                  </m:r>
+                                </m:sub>
+                              </m:sSub>
+                            </m:fName>
+                            <m:e>
+                              <m:r>
+                                <a:rPr kumimoji="1" lang="en-US" altLang="ja-JP" b="0" i="1" smtClean="0">
+                                  <a:latin typeface="Cambria Math" panose="02040503050406030204" pitchFamily="18" charset="0"/>
+                                </a:rPr>
+                                <m:t>𝑒</m:t>
+                              </m:r>
+                            </m:e>
+                          </m:func>
+                        </m:sup>
+                      </m:sSup>
+                    </m:oMath>
+                  </m:oMathPara>
+                </a14:m>
+                <a:endParaRPr kumimoji="1" lang="en-US" altLang="ja-JP" b="0" i="1">
+                  <a:latin typeface="Cambria Math" panose="02040503050406030204" pitchFamily="18" charset="0"/>
+                </a:endParaRPr>
+              </a:p>
+            </p:txBody>
+          </p:sp>
+        </mc:Choice>
+        <mc:Fallback>
+          <p:sp>
+            <p:nvSpPr>
+              <p:cNvPr id="4" name="テキスト ボックス 3">
+                <a:extLst>
+                  <a:ext uri="{FF2B5EF4-FFF2-40B4-BE49-F238E27FC236}">
+                    <a16:creationId xmlns:a16="http://schemas.microsoft.com/office/drawing/2014/main" id="{3958231E-1AE3-805B-2E33-651F0AC64E37}"/>
+                  </a:ext>
+                </a:extLst>
+              </p:cNvPr>
+              <p:cNvSpPr txBox="1">
+                <a:spLocks noRot="1" noChangeAspect="1" noMove="1" noResize="1" noEditPoints="1" noAdjustHandles="1" noChangeArrowheads="1" noChangeShapeType="1" noTextEdit="1"/>
+              </p:cNvSpPr>
+              <p:nvPr/>
+            </p:nvSpPr>
+            <p:spPr>
+              <a:xfrm>
+                <a:off x="7603068" y="681037"/>
+                <a:ext cx="4125809" cy="925190"/>
+              </a:xfrm>
+              <a:prstGeom prst="rect">
+                <a:avLst/>
+              </a:prstGeom>
+              <a:blipFill>
+                <a:blip r:embed="rId3"/>
+                <a:stretch>
+                  <a:fillRect l="-1182" t="-3311"/>
+                </a:stretch>
+              </a:blipFill>
+            </p:spPr>
+            <p:txBody>
+              <a:bodyPr/>
+              <a:lstStyle/>
+              <a:p>
+                <a:r>
+                  <a:rPr lang="ja-JP" altLang="en-US">
+                    <a:noFill/>
+                  </a:rPr>
+                  <a:t> </a:t>
+                </a:r>
+              </a:p>
+            </p:txBody>
+          </p:sp>
+        </mc:Fallback>
+      </mc:AlternateContent>
     </p:spTree>
     <p:extLst>
       <p:ext uri="{BB962C8B-B14F-4D97-AF65-F5344CB8AC3E}">
@@ -22073,7 +23351,7 @@
 </p:sld>
 </file>
 
-<file path=ppt/slides/slide23.xml><?xml version="1.0" encoding="utf-8"?>
+<file path=ppt/slides/slide24.xml><?xml version="1.0" encoding="utf-8"?>
 <p:sld xmlns:a="http://schemas.openxmlformats.org/drawingml/2006/main" xmlns:r="http://schemas.openxmlformats.org/officeDocument/2006/relationships" xmlns:p="http://schemas.openxmlformats.org/presentationml/2006/main">
   <p:cSld>
     <p:spTree>
@@ -22119,8 +23397,8 @@
           </a:p>
         </p:txBody>
       </p:sp>
-      <mc:AlternateContent xmlns:mc="http://schemas.openxmlformats.org/markup-compatibility/2006">
-        <mc:Choice xmlns:a14="http://schemas.microsoft.com/office/drawing/2010/main" Requires="a14">
+      <mc:AlternateContent xmlns:mc="http://schemas.openxmlformats.org/markup-compatibility/2006" xmlns:a14="http://schemas.microsoft.com/office/drawing/2010/main">
+        <mc:Choice Requires="a14">
           <p:sp>
             <p:nvSpPr>
               <p:cNvPr id="3" name="コンテンツ プレースホルダー 2">
@@ -22694,7 +23972,7 @@
                           <m:begChr m:val="|"/>
                           <m:endChr m:val="|"/>
                           <m:ctrlPr>
-                            <a:rPr lang="en-US" altLang="ja-JP" b="0" i="0" smtClean="0">
+                            <a:rPr lang="en-US" altLang="ja-JP" b="0" i="1" smtClean="0">
                               <a:latin typeface="Cambria Math" panose="02040503050406030204" pitchFamily="18" charset="0"/>
                             </a:rPr>
                           </m:ctrlPr>
@@ -23541,7 +24819,7 @@
             </p:txBody>
           </p:sp>
         </mc:Choice>
-        <mc:Fallback>
+        <mc:Fallback xmlns="">
           <p:sp>
             <p:nvSpPr>
               <p:cNvPr id="3" name="コンテンツ プレースホルダー 2">
@@ -23962,8 +25240,8 @@
             </a:p>
           </p:txBody>
         </p:sp>
-        <mc:AlternateContent xmlns:mc="http://schemas.openxmlformats.org/markup-compatibility/2006">
-          <mc:Choice xmlns:a14="http://schemas.microsoft.com/office/drawing/2010/main" Requires="a14">
+        <mc:AlternateContent xmlns:mc="http://schemas.openxmlformats.org/markup-compatibility/2006" xmlns:a14="http://schemas.microsoft.com/office/drawing/2010/main">
+          <mc:Choice Requires="a14">
             <p:sp>
               <p:nvSpPr>
                 <p:cNvPr id="30" name="テキスト ボックス 29">
@@ -23992,6 +25270,7 @@
                 </a:bodyPr>
                 <a:lstStyle/>
                 <a:p>
+                  <a:pPr/>
                   <a14:m>
                     <m:oMathPara xmlns:m="http://schemas.openxmlformats.org/officeDocument/2006/math">
                       <m:oMathParaPr>
@@ -24012,7 +25291,7 @@
               </p:txBody>
             </p:sp>
           </mc:Choice>
-          <mc:Fallback>
+          <mc:Fallback xmlns="">
             <p:sp>
               <p:nvSpPr>
                 <p:cNvPr id="30" name="テキスト ボックス 29">
@@ -24057,8 +25336,8 @@
             </p:sp>
           </mc:Fallback>
         </mc:AlternateContent>
-        <mc:AlternateContent xmlns:mc="http://schemas.openxmlformats.org/markup-compatibility/2006">
-          <mc:Choice xmlns:a14="http://schemas.microsoft.com/office/drawing/2010/main" Requires="a14">
+        <mc:AlternateContent xmlns:mc="http://schemas.openxmlformats.org/markup-compatibility/2006" xmlns:a14="http://schemas.microsoft.com/office/drawing/2010/main">
+          <mc:Choice Requires="a14">
             <p:sp>
               <p:nvSpPr>
                 <p:cNvPr id="31" name="テキスト ボックス 30">
@@ -24087,6 +25366,7 @@
                 </a:bodyPr>
                 <a:lstStyle/>
                 <a:p>
+                  <a:pPr/>
                   <a14:m>
                     <m:oMathPara xmlns:m="http://schemas.openxmlformats.org/officeDocument/2006/math">
                       <m:oMathParaPr>
@@ -24107,7 +25387,7 @@
               </p:txBody>
             </p:sp>
           </mc:Choice>
-          <mc:Fallback>
+          <mc:Fallback xmlns="">
             <p:sp>
               <p:nvSpPr>
                 <p:cNvPr id="31" name="テキスト ボックス 30">
@@ -24320,8 +25600,8 @@
           </a:fontRef>
         </p:style>
       </p:cxnSp>
-      <mc:AlternateContent xmlns:mc="http://schemas.openxmlformats.org/markup-compatibility/2006">
-        <mc:Choice xmlns:a14="http://schemas.microsoft.com/office/drawing/2010/main" Requires="a14">
+      <mc:AlternateContent xmlns:mc="http://schemas.openxmlformats.org/markup-compatibility/2006" xmlns:a14="http://schemas.microsoft.com/office/drawing/2010/main">
+        <mc:Choice Requires="a14">
           <p:sp>
             <p:nvSpPr>
               <p:cNvPr id="42" name="テキスト ボックス 41">
@@ -24350,6 +25630,7 @@
               </a:bodyPr>
               <a:lstStyle/>
               <a:p>
+                <a:pPr/>
                 <a14:m>
                   <m:oMathPara xmlns:m="http://schemas.openxmlformats.org/officeDocument/2006/math">
                     <m:oMathParaPr>
@@ -24370,7 +25651,7 @@
             </p:txBody>
           </p:sp>
         </mc:Choice>
-        <mc:Fallback>
+        <mc:Fallback xmlns="">
           <p:sp>
             <p:nvSpPr>
               <p:cNvPr id="42" name="テキスト ボックス 41">
@@ -24415,8 +25696,8 @@
           </p:sp>
         </mc:Fallback>
       </mc:AlternateContent>
-      <mc:AlternateContent xmlns:mc="http://schemas.openxmlformats.org/markup-compatibility/2006">
-        <mc:Choice xmlns:a14="http://schemas.microsoft.com/office/drawing/2010/main" Requires="a14">
+      <mc:AlternateContent xmlns:mc="http://schemas.openxmlformats.org/markup-compatibility/2006" xmlns:a14="http://schemas.microsoft.com/office/drawing/2010/main">
+        <mc:Choice Requires="a14">
           <p:sp>
             <p:nvSpPr>
               <p:cNvPr id="43" name="テキスト ボックス 42">
@@ -24445,6 +25726,7 @@
               </a:bodyPr>
               <a:lstStyle/>
               <a:p>
+                <a:pPr/>
                 <a14:m>
                   <m:oMathPara xmlns:m="http://schemas.openxmlformats.org/officeDocument/2006/math">
                     <m:oMathParaPr>
@@ -24646,7 +25928,7 @@
             </p:txBody>
           </p:sp>
         </mc:Choice>
-        <mc:Fallback>
+        <mc:Fallback xmlns="">
           <p:sp>
             <p:nvSpPr>
               <p:cNvPr id="43" name="テキスト ボックス 42">
@@ -24691,8 +25973,8 @@
           </p:sp>
         </mc:Fallback>
       </mc:AlternateContent>
-      <mc:AlternateContent xmlns:mc="http://schemas.openxmlformats.org/markup-compatibility/2006">
-        <mc:Choice xmlns:a14="http://schemas.microsoft.com/office/drawing/2010/main" Requires="a14">
+      <mc:AlternateContent xmlns:mc="http://schemas.openxmlformats.org/markup-compatibility/2006" xmlns:a14="http://schemas.microsoft.com/office/drawing/2010/main">
+        <mc:Choice Requires="a14">
           <p:sp>
             <p:nvSpPr>
               <p:cNvPr id="44" name="テキスト ボックス 43">
@@ -24721,6 +26003,7 @@
               </a:bodyPr>
               <a:lstStyle/>
               <a:p>
+                <a:pPr/>
                 <a14:m>
                   <m:oMathPara xmlns:m="http://schemas.openxmlformats.org/officeDocument/2006/math">
                     <m:oMathParaPr>
@@ -24741,7 +26024,7 @@
             </p:txBody>
           </p:sp>
         </mc:Choice>
-        <mc:Fallback>
+        <mc:Fallback xmlns="">
           <p:sp>
             <p:nvSpPr>
               <p:cNvPr id="44" name="テキスト ボックス 43">
@@ -24786,8 +26069,8 @@
           </p:sp>
         </mc:Fallback>
       </mc:AlternateContent>
-      <mc:AlternateContent xmlns:mc="http://schemas.openxmlformats.org/markup-compatibility/2006">
-        <mc:Choice xmlns:a14="http://schemas.microsoft.com/office/drawing/2010/main" Requires="a14">
+      <mc:AlternateContent xmlns:mc="http://schemas.openxmlformats.org/markup-compatibility/2006" xmlns:a14="http://schemas.microsoft.com/office/drawing/2010/main">
+        <mc:Choice Requires="a14">
           <p:sp>
             <p:nvSpPr>
               <p:cNvPr id="47" name="テキスト ボックス 46">
@@ -24816,6 +26099,7 @@
               </a:bodyPr>
               <a:lstStyle/>
               <a:p>
+                <a:pPr/>
                 <a14:m>
                   <m:oMathPara xmlns:m="http://schemas.openxmlformats.org/officeDocument/2006/math">
                     <m:oMathParaPr>
@@ -24836,7 +26120,7 @@
             </p:txBody>
           </p:sp>
         </mc:Choice>
-        <mc:Fallback>
+        <mc:Fallback xmlns="">
           <p:sp>
             <p:nvSpPr>
               <p:cNvPr id="47" name="テキスト ボックス 46">
@@ -24881,12 +26165,123 @@
           </p:sp>
         </mc:Fallback>
       </mc:AlternateContent>
+    </p:spTree>
+    <p:extLst>
+      <p:ext uri="{BB962C8B-B14F-4D97-AF65-F5344CB8AC3E}">
+        <p14:creationId xmlns:p14="http://schemas.microsoft.com/office/powerpoint/2010/main" val="818035744"/>
+      </p:ext>
+    </p:extLst>
+  </p:cSld>
+  <p:clrMapOvr>
+    <a:masterClrMapping/>
+  </p:clrMapOvr>
+</p:sld>
+</file>
+
+<file path=ppt/slides/slide25.xml><?xml version="1.0" encoding="utf-8"?>
+<p:sld xmlns:a="http://schemas.openxmlformats.org/drawingml/2006/main" xmlns:r="http://schemas.openxmlformats.org/officeDocument/2006/relationships" xmlns:p="http://schemas.openxmlformats.org/presentationml/2006/main">
+  <p:cSld>
+    <p:spTree>
+      <p:nvGrpSpPr>
+        <p:cNvPr id="1" name=""/>
+        <p:cNvGrpSpPr/>
+        <p:nvPr/>
+      </p:nvGrpSpPr>
+      <p:grpSpPr>
+        <a:xfrm>
+          <a:off x="0" y="0"/>
+          <a:ext cx="0" cy="0"/>
+          <a:chOff x="0" y="0"/>
+          <a:chExt cx="0" cy="0"/>
+        </a:xfrm>
+      </p:grpSpPr>
       <p:sp>
         <p:nvSpPr>
-          <p:cNvPr id="48" name="楕円 47">
+          <p:cNvPr id="2" name="タイトル 1">
             <a:extLst>
               <a:ext uri="{FF2B5EF4-FFF2-40B4-BE49-F238E27FC236}">
-                <a16:creationId xmlns:a16="http://schemas.microsoft.com/office/drawing/2014/main" id="{51622960-E379-0BD6-DB58-2EC92EDA01BA}"/>
+                <a16:creationId xmlns:a16="http://schemas.microsoft.com/office/drawing/2014/main" id="{346BEA4D-63D6-8C91-08DF-5D25B34AF26C}"/>
+              </a:ext>
+            </a:extLst>
+          </p:cNvPr>
+          <p:cNvSpPr>
+            <a:spLocks noGrp="1"/>
+          </p:cNvSpPr>
+          <p:nvPr>
+            <p:ph type="title"/>
+          </p:nvPr>
+        </p:nvSpPr>
+        <p:spPr/>
+        <p:txBody>
+          <a:bodyPr/>
+          <a:lstStyle/>
+          <a:p>
+            <a:r>
+              <a:rPr kumimoji="1" lang="en-US" altLang="ja-JP"/>
+              <a:t>SSSSS</a:t>
+            </a:r>
+            <a:endParaRPr kumimoji="1" lang="ja-JP" altLang="en-US"/>
+          </a:p>
+        </p:txBody>
+      </p:sp>
+      <p:sp>
+        <p:nvSpPr>
+          <p:cNvPr id="3" name="コンテンツ プレースホルダー 2">
+            <a:extLst>
+              <a:ext uri="{FF2B5EF4-FFF2-40B4-BE49-F238E27FC236}">
+                <a16:creationId xmlns:a16="http://schemas.microsoft.com/office/drawing/2014/main" id="{9B90168D-C72E-FFEF-C585-A3D9AFAB9EB8}"/>
+              </a:ext>
+            </a:extLst>
+          </p:cNvPr>
+          <p:cNvSpPr>
+            <a:spLocks noGrp="1"/>
+          </p:cNvSpPr>
+          <p:nvPr>
+            <p:ph idx="1"/>
+          </p:nvPr>
+        </p:nvSpPr>
+        <p:spPr/>
+        <p:txBody>
+          <a:bodyPr/>
+          <a:lstStyle/>
+          <a:p>
+            <a:r>
+              <a:rPr kumimoji="1" lang="ja-JP" altLang="en-US"/>
+              <a:t>スクリーン空間でサンプリングしたい</a:t>
+            </a:r>
+            <a:endParaRPr kumimoji="1" lang="en-US" altLang="ja-JP"/>
+          </a:p>
+          <a:p>
+            <a:pPr lvl="1"/>
+            <a:r>
+              <a:rPr lang="ja-JP" altLang="en-US"/>
+              <a:t>ワールド空間だとスクリーン座標に変換がいる</a:t>
+            </a:r>
+            <a:endParaRPr lang="en-US" altLang="ja-JP"/>
+          </a:p>
+          <a:p>
+            <a:pPr lvl="1"/>
+            <a:r>
+              <a:rPr lang="ja-JP" altLang="en-US"/>
+              <a:t>わっかんね</a:t>
+            </a:r>
+            <a:endParaRPr lang="en-US" altLang="ja-JP"/>
+          </a:p>
+          <a:p>
+            <a:pPr lvl="1"/>
+            <a:endParaRPr kumimoji="1" lang="en-US" altLang="ja-JP"/>
+          </a:p>
+          <a:p>
+            <a:endParaRPr kumimoji="1" lang="ja-JP" altLang="en-US"/>
+          </a:p>
+        </p:txBody>
+      </p:sp>
+      <p:sp>
+        <p:nvSpPr>
+          <p:cNvPr id="4" name="フリーフォーム: 図形 3">
+            <a:extLst>
+              <a:ext uri="{FF2B5EF4-FFF2-40B4-BE49-F238E27FC236}">
+                <a16:creationId xmlns:a16="http://schemas.microsoft.com/office/drawing/2014/main" id="{943946E0-A564-7B9A-8888-9692E1E5E782}"/>
               </a:ext>
             </a:extLst>
           </p:cNvPr>
@@ -24895,17 +26290,61 @@
         </p:nvSpPr>
         <p:spPr>
           <a:xfrm>
-            <a:off x="4145797" y="286719"/>
-            <a:ext cx="1146874" cy="1146874"/>
+            <a:off x="5543551" y="3263900"/>
+            <a:ext cx="3395133" cy="2734734"/>
           </a:xfrm>
-          <a:prstGeom prst="ellipse">
+          <a:custGeom>
             <a:avLst/>
-          </a:prstGeom>
-          <a:solidFill>
-            <a:schemeClr val="accent1">
-              <a:alpha val="20000"/>
-            </a:schemeClr>
-          </a:solidFill>
+            <a:gdLst>
+              <a:gd name="connsiteX0" fmla="*/ 0 w 3395133"/>
+              <a:gd name="connsiteY0" fmla="*/ 2734734 h 2734734"/>
+              <a:gd name="connsiteX1" fmla="*/ 677333 w 3395133"/>
+              <a:gd name="connsiteY1" fmla="*/ 1498600 h 2734734"/>
+              <a:gd name="connsiteX2" fmla="*/ 2446866 w 3395133"/>
+              <a:gd name="connsiteY2" fmla="*/ 1303867 h 2734734"/>
+              <a:gd name="connsiteX3" fmla="*/ 3395133 w 3395133"/>
+              <a:gd name="connsiteY3" fmla="*/ 0 h 2734734"/>
+            </a:gdLst>
+            <a:ahLst/>
+            <a:cxnLst>
+              <a:cxn ang="0">
+                <a:pos x="connsiteX0" y="connsiteY0"/>
+              </a:cxn>
+              <a:cxn ang="0">
+                <a:pos x="connsiteX1" y="connsiteY1"/>
+              </a:cxn>
+              <a:cxn ang="0">
+                <a:pos x="connsiteX2" y="connsiteY2"/>
+              </a:cxn>
+              <a:cxn ang="0">
+                <a:pos x="connsiteX3" y="connsiteY3"/>
+              </a:cxn>
+            </a:cxnLst>
+            <a:rect l="l" t="t" r="r" b="b"/>
+            <a:pathLst>
+              <a:path w="3395133" h="2734734">
+                <a:moveTo>
+                  <a:pt x="0" y="2734734"/>
+                </a:moveTo>
+                <a:cubicBezTo>
+                  <a:pt x="134761" y="2235906"/>
+                  <a:pt x="269522" y="1737078"/>
+                  <a:pt x="677333" y="1498600"/>
+                </a:cubicBezTo>
+                <a:cubicBezTo>
+                  <a:pt x="1085144" y="1260122"/>
+                  <a:pt x="1993899" y="1553634"/>
+                  <a:pt x="2446866" y="1303867"/>
+                </a:cubicBezTo>
+                <a:cubicBezTo>
+                  <a:pt x="2899833" y="1054100"/>
+                  <a:pt x="3147483" y="527050"/>
+                  <a:pt x="3395133" y="0"/>
+                </a:cubicBezTo>
+              </a:path>
+            </a:pathLst>
+          </a:custGeom>
+          <a:noFill/>
         </p:spPr>
         <p:style>
           <a:lnRef idx="2">
@@ -24932,12 +26371,94 @@
           </a:p>
         </p:txBody>
       </p:sp>
+      <p:cxnSp>
+        <p:nvCxnSpPr>
+          <p:cNvPr id="6" name="直線コネクタ 5">
+            <a:extLst>
+              <a:ext uri="{FF2B5EF4-FFF2-40B4-BE49-F238E27FC236}">
+                <a16:creationId xmlns:a16="http://schemas.microsoft.com/office/drawing/2014/main" id="{3F257445-BE3E-DF0C-449D-6DEFB72F2415}"/>
+              </a:ext>
+            </a:extLst>
+          </p:cNvPr>
+          <p:cNvCxnSpPr>
+            <a:cxnSpLocks/>
+            <a:stCxn id="16" idx="7"/>
+            <a:endCxn id="16" idx="3"/>
+          </p:cNvCxnSpPr>
+          <p:nvPr/>
+        </p:nvCxnSpPr>
+        <p:spPr>
+          <a:xfrm flipH="1">
+            <a:off x="5442546" y="4295898"/>
+            <a:ext cx="1197150" cy="1197150"/>
+          </a:xfrm>
+          <a:prstGeom prst="line">
+            <a:avLst/>
+          </a:prstGeom>
+        </p:spPr>
+        <p:style>
+          <a:lnRef idx="1">
+            <a:schemeClr val="accent1"/>
+          </a:lnRef>
+          <a:fillRef idx="0">
+            <a:schemeClr val="accent1"/>
+          </a:fillRef>
+          <a:effectRef idx="0">
+            <a:schemeClr val="accent1"/>
+          </a:effectRef>
+          <a:fontRef idx="minor">
+            <a:schemeClr val="tx1"/>
+          </a:fontRef>
+        </p:style>
+      </p:cxnSp>
+      <p:cxnSp>
+        <p:nvCxnSpPr>
+          <p:cNvPr id="8" name="直線矢印コネクタ 7">
+            <a:extLst>
+              <a:ext uri="{FF2B5EF4-FFF2-40B4-BE49-F238E27FC236}">
+                <a16:creationId xmlns:a16="http://schemas.microsoft.com/office/drawing/2014/main" id="{90912F6F-28FE-C91F-1659-129A5212ED5A}"/>
+              </a:ext>
+            </a:extLst>
+          </p:cNvPr>
+          <p:cNvCxnSpPr>
+            <a:cxnSpLocks/>
+            <a:endCxn id="16" idx="1"/>
+          </p:cNvCxnSpPr>
+          <p:nvPr/>
+        </p:nvCxnSpPr>
+        <p:spPr>
+          <a:xfrm flipH="1" flipV="1">
+            <a:off x="5442546" y="4295898"/>
+            <a:ext cx="592531" cy="592531"/>
+          </a:xfrm>
+          <a:prstGeom prst="straightConnector1">
+            <a:avLst/>
+          </a:prstGeom>
+          <a:ln>
+            <a:tailEnd type="triangle"/>
+          </a:ln>
+        </p:spPr>
+        <p:style>
+          <a:lnRef idx="1">
+            <a:schemeClr val="accent1"/>
+          </a:lnRef>
+          <a:fillRef idx="0">
+            <a:schemeClr val="accent1"/>
+          </a:fillRef>
+          <a:effectRef idx="0">
+            <a:schemeClr val="accent1"/>
+          </a:effectRef>
+          <a:fontRef idx="minor">
+            <a:schemeClr val="tx1"/>
+          </a:fontRef>
+        </p:style>
+      </p:cxnSp>
       <p:sp>
         <p:nvSpPr>
-          <p:cNvPr id="49" name="楕円 48">
+          <p:cNvPr id="11" name="スマイル 10">
             <a:extLst>
               <a:ext uri="{FF2B5EF4-FFF2-40B4-BE49-F238E27FC236}">
-                <a16:creationId xmlns:a16="http://schemas.microsoft.com/office/drawing/2014/main" id="{618A4E01-EE02-D6EB-6316-D4DDCCF3C977}"/>
+                <a16:creationId xmlns:a16="http://schemas.microsoft.com/office/drawing/2014/main" id="{8D09A801-06DE-2F55-ACAF-C8404A5E7CFE}"/>
               </a:ext>
             </a:extLst>
           </p:cNvPr>
@@ -24946,61 +26467,10 @@
         </p:nvSpPr>
         <p:spPr>
           <a:xfrm>
-            <a:off x="5809497" y="286719"/>
-            <a:ext cx="1146874" cy="1146874"/>
+            <a:off x="2114093" y="5325466"/>
+            <a:ext cx="592531" cy="592531"/>
           </a:xfrm>
-          <a:prstGeom prst="ellipse">
-            <a:avLst/>
-          </a:prstGeom>
-          <a:solidFill>
-            <a:schemeClr val="accent1">
-              <a:alpha val="20000"/>
-            </a:schemeClr>
-          </a:solidFill>
-        </p:spPr>
-        <p:style>
-          <a:lnRef idx="2">
-            <a:schemeClr val="accent1">
-              <a:shade val="15000"/>
-            </a:schemeClr>
-          </a:lnRef>
-          <a:fillRef idx="1">
-            <a:schemeClr val="accent1"/>
-          </a:fillRef>
-          <a:effectRef idx="0">
-            <a:schemeClr val="accent1"/>
-          </a:effectRef>
-          <a:fontRef idx="minor">
-            <a:schemeClr val="lt1"/>
-          </a:fontRef>
-        </p:style>
-        <p:txBody>
-          <a:bodyPr rtlCol="0" anchor="ctr"/>
-          <a:lstStyle/>
-          <a:p>
-            <a:pPr algn="ctr"/>
-            <a:endParaRPr kumimoji="1" lang="ja-JP" altLang="en-US"/>
-          </a:p>
-        </p:txBody>
-      </p:sp>
-      <p:sp>
-        <p:nvSpPr>
-          <p:cNvPr id="50" name="楕円 49">
-            <a:extLst>
-              <a:ext uri="{FF2B5EF4-FFF2-40B4-BE49-F238E27FC236}">
-                <a16:creationId xmlns:a16="http://schemas.microsoft.com/office/drawing/2014/main" id="{C3833854-BDBA-95D7-C6DE-5E48E15F7A6D}"/>
-              </a:ext>
-            </a:extLst>
-          </p:cNvPr>
-          <p:cNvSpPr/>
-          <p:nvPr/>
-        </p:nvSpPr>
-        <p:spPr>
-          <a:xfrm>
-            <a:off x="4630334" y="771256"/>
-            <a:ext cx="177800" cy="177800"/>
-          </a:xfrm>
-          <a:prstGeom prst="ellipse">
+          <a:prstGeom prst="smileyFace">
             <a:avLst/>
           </a:prstGeom>
         </p:spPr>
@@ -25029,45 +26499,218 @@
           </a:p>
         </p:txBody>
       </p:sp>
-      <p:sp>
-        <p:nvSpPr>
-          <p:cNvPr id="51" name="テキスト ボックス 50">
+      <p:cxnSp>
+        <p:nvCxnSpPr>
+          <p:cNvPr id="13" name="直線コネクタ 12">
             <a:extLst>
               <a:ext uri="{FF2B5EF4-FFF2-40B4-BE49-F238E27FC236}">
-                <a16:creationId xmlns:a16="http://schemas.microsoft.com/office/drawing/2014/main" id="{BB51DA07-717C-495B-6464-CD88012F9B46}"/>
+                <a16:creationId xmlns:a16="http://schemas.microsoft.com/office/drawing/2014/main" id="{30240E37-B8DE-733C-C73C-8EDF02314047}"/>
               </a:ext>
             </a:extLst>
           </p:cNvPr>
-          <p:cNvSpPr txBox="1"/>
+          <p:cNvCxnSpPr>
+            <a:cxnSpLocks/>
+            <a:stCxn id="11" idx="6"/>
+          </p:cNvCxnSpPr>
+          <p:nvPr/>
+        </p:nvCxnSpPr>
+        <p:spPr>
+          <a:xfrm flipV="1">
+            <a:off x="2706624" y="4904317"/>
+            <a:ext cx="3328453" cy="717415"/>
+          </a:xfrm>
+          <a:prstGeom prst="line">
+            <a:avLst/>
+          </a:prstGeom>
+        </p:spPr>
+        <p:style>
+          <a:lnRef idx="1">
+            <a:schemeClr val="accent1"/>
+          </a:lnRef>
+          <a:fillRef idx="0">
+            <a:schemeClr val="accent1"/>
+          </a:fillRef>
+          <a:effectRef idx="0">
+            <a:schemeClr val="accent1"/>
+          </a:effectRef>
+          <a:fontRef idx="minor">
+            <a:schemeClr val="tx1"/>
+          </a:fontRef>
+        </p:style>
+      </p:cxnSp>
+      <p:cxnSp>
+        <p:nvCxnSpPr>
+          <p:cNvPr id="15" name="直線コネクタ 14">
+            <a:extLst>
+              <a:ext uri="{FF2B5EF4-FFF2-40B4-BE49-F238E27FC236}">
+                <a16:creationId xmlns:a16="http://schemas.microsoft.com/office/drawing/2014/main" id="{D42601D5-0B94-A5F9-4A27-8E046F39643B}"/>
+              </a:ext>
+            </a:extLst>
+          </p:cNvPr>
+          <p:cNvCxnSpPr>
+            <a:cxnSpLocks/>
+            <a:stCxn id="11" idx="6"/>
+            <a:endCxn id="16" idx="3"/>
+          </p:cNvCxnSpPr>
+          <p:nvPr/>
+        </p:nvCxnSpPr>
+        <p:spPr>
+          <a:xfrm flipV="1">
+            <a:off x="2706624" y="5493048"/>
+            <a:ext cx="2735922" cy="128684"/>
+          </a:xfrm>
+          <a:prstGeom prst="line">
+            <a:avLst/>
+          </a:prstGeom>
+          <a:ln>
+            <a:prstDash val="dash"/>
+          </a:ln>
+        </p:spPr>
+        <p:style>
+          <a:lnRef idx="1">
+            <a:schemeClr val="accent1"/>
+          </a:lnRef>
+          <a:fillRef idx="0">
+            <a:schemeClr val="accent1"/>
+          </a:fillRef>
+          <a:effectRef idx="0">
+            <a:schemeClr val="accent1"/>
+          </a:effectRef>
+          <a:fontRef idx="minor">
+            <a:schemeClr val="tx1"/>
+          </a:fontRef>
+        </p:style>
+      </p:cxnSp>
+      <p:sp>
+        <p:nvSpPr>
+          <p:cNvPr id="16" name="楕円 15">
+            <a:extLst>
+              <a:ext uri="{FF2B5EF4-FFF2-40B4-BE49-F238E27FC236}">
+                <a16:creationId xmlns:a16="http://schemas.microsoft.com/office/drawing/2014/main" id="{2495987E-A0EE-9663-098D-E12BCC64D364}"/>
+              </a:ext>
+            </a:extLst>
+          </p:cNvPr>
+          <p:cNvSpPr/>
           <p:nvPr/>
         </p:nvSpPr>
         <p:spPr>
           <a:xfrm>
-            <a:off x="2360714" y="45522"/>
-            <a:ext cx="2262158" cy="369332"/>
+            <a:off x="5194608" y="4047960"/>
+            <a:ext cx="1693026" cy="1693026"/>
           </a:xfrm>
-          <a:prstGeom prst="rect">
+          <a:prstGeom prst="ellipse">
             <a:avLst/>
           </a:prstGeom>
           <a:noFill/>
         </p:spPr>
+        <p:style>
+          <a:lnRef idx="2">
+            <a:schemeClr val="accent1">
+              <a:shade val="15000"/>
+            </a:schemeClr>
+          </a:lnRef>
+          <a:fillRef idx="1">
+            <a:schemeClr val="accent1"/>
+          </a:fillRef>
+          <a:effectRef idx="0">
+            <a:schemeClr val="accent1"/>
+          </a:effectRef>
+          <a:fontRef idx="minor">
+            <a:schemeClr val="lt1"/>
+          </a:fontRef>
+        </p:style>
         <p:txBody>
-          <a:bodyPr wrap="none" rtlCol="0">
-            <a:spAutoFit/>
-          </a:bodyPr>
+          <a:bodyPr rtlCol="0" anchor="ctr"/>
           <a:lstStyle/>
           <a:p>
-            <a:r>
-              <a:rPr kumimoji="1" lang="ja-JP" altLang="en-US"/>
-              <a:t>周りから集めてくる</a:t>
-            </a:r>
+            <a:pPr algn="ctr"/>
+            <a:endParaRPr kumimoji="1" lang="ja-JP" altLang="en-US"/>
           </a:p>
         </p:txBody>
       </p:sp>
+      <p:cxnSp>
+        <p:nvCxnSpPr>
+          <p:cNvPr id="26" name="直線コネクタ 25">
+            <a:extLst>
+              <a:ext uri="{FF2B5EF4-FFF2-40B4-BE49-F238E27FC236}">
+                <a16:creationId xmlns:a16="http://schemas.microsoft.com/office/drawing/2014/main" id="{CF96AE42-E9D4-1EA6-A9A2-883AF1C2067C}"/>
+              </a:ext>
+            </a:extLst>
+          </p:cNvPr>
+          <p:cNvCxnSpPr>
+            <a:cxnSpLocks/>
+            <a:stCxn id="11" idx="6"/>
+            <a:endCxn id="16" idx="7"/>
+          </p:cNvCxnSpPr>
+          <p:nvPr/>
+        </p:nvCxnSpPr>
+        <p:spPr>
+          <a:xfrm flipV="1">
+            <a:off x="2706624" y="4295898"/>
+            <a:ext cx="3933072" cy="1325834"/>
+          </a:xfrm>
+          <a:prstGeom prst="line">
+            <a:avLst/>
+          </a:prstGeom>
+          <a:ln>
+            <a:prstDash val="dash"/>
+          </a:ln>
+        </p:spPr>
+        <p:style>
+          <a:lnRef idx="1">
+            <a:schemeClr val="accent1"/>
+          </a:lnRef>
+          <a:fillRef idx="0">
+            <a:schemeClr val="accent1"/>
+          </a:fillRef>
+          <a:effectRef idx="0">
+            <a:schemeClr val="accent1"/>
+          </a:effectRef>
+          <a:fontRef idx="minor">
+            <a:schemeClr val="tx1"/>
+          </a:fontRef>
+        </p:style>
+      </p:cxnSp>
+      <p:cxnSp>
+        <p:nvCxnSpPr>
+          <p:cNvPr id="30" name="直線コネクタ 29">
+            <a:extLst>
+              <a:ext uri="{FF2B5EF4-FFF2-40B4-BE49-F238E27FC236}">
+                <a16:creationId xmlns:a16="http://schemas.microsoft.com/office/drawing/2014/main" id="{E8C16EF3-5670-05AB-B525-D8231AC89D48}"/>
+              </a:ext>
+            </a:extLst>
+          </p:cNvPr>
+          <p:cNvCxnSpPr/>
+          <p:nvPr/>
+        </p:nvCxnSpPr>
+        <p:spPr>
+          <a:xfrm>
+            <a:off x="3892550" y="4202113"/>
+            <a:ext cx="0" cy="2127250"/>
+          </a:xfrm>
+          <a:prstGeom prst="line">
+            <a:avLst/>
+          </a:prstGeom>
+        </p:spPr>
+        <p:style>
+          <a:lnRef idx="1">
+            <a:schemeClr val="accent1"/>
+          </a:lnRef>
+          <a:fillRef idx="0">
+            <a:schemeClr val="accent1"/>
+          </a:fillRef>
+          <a:effectRef idx="0">
+            <a:schemeClr val="accent1"/>
+          </a:effectRef>
+          <a:fontRef idx="minor">
+            <a:schemeClr val="tx1"/>
+          </a:fontRef>
+        </p:style>
+      </p:cxnSp>
     </p:spTree>
     <p:extLst>
       <p:ext uri="{BB962C8B-B14F-4D97-AF65-F5344CB8AC3E}">
-        <p14:creationId xmlns:p14="http://schemas.microsoft.com/office/powerpoint/2010/main" val="818035744"/>
+        <p14:creationId xmlns:p14="http://schemas.microsoft.com/office/powerpoint/2010/main" val="3111229838"/>
       </p:ext>
     </p:extLst>
   </p:cSld>
@@ -25077,7 +26720,7 @@
 </p:sld>
 </file>
 
-<file path=ppt/slides/slide24.xml><?xml version="1.0" encoding="utf-8"?>
+<file path=ppt/slides/slide26.xml><?xml version="1.0" encoding="utf-8"?>
 <p:sld xmlns:a="http://schemas.openxmlformats.org/drawingml/2006/main" xmlns:r="http://schemas.openxmlformats.org/officeDocument/2006/relationships" xmlns:p="http://schemas.openxmlformats.org/presentationml/2006/main">
   <p:cSld>
     <p:spTree>
@@ -25122,8 +26765,8 @@
           </a:p>
         </p:txBody>
       </p:sp>
-      <mc:AlternateContent xmlns:mc="http://schemas.openxmlformats.org/markup-compatibility/2006">
-        <mc:Choice xmlns:a14="http://schemas.microsoft.com/office/drawing/2010/main" Requires="a14">
+      <mc:AlternateContent xmlns:mc="http://schemas.openxmlformats.org/markup-compatibility/2006" xmlns:a14="http://schemas.microsoft.com/office/drawing/2010/main">
+        <mc:Choice Requires="a14">
           <p:sp>
             <p:nvSpPr>
               <p:cNvPr id="3" name="コンテンツ プレースホルダー 2">
@@ -25754,7 +27397,7 @@
             </p:txBody>
           </p:sp>
         </mc:Choice>
-        <mc:Fallback>
+        <mc:Fallback xmlns="">
           <p:sp>
             <p:nvSpPr>
               <p:cNvPr id="3" name="コンテンツ プレースホルダー 2">
@@ -26337,8 +27980,8 @@
             </p:style>
           </p:cxnSp>
         </p:grpSp>
-        <mc:AlternateContent xmlns:mc="http://schemas.openxmlformats.org/markup-compatibility/2006">
-          <mc:Choice xmlns:a14="http://schemas.microsoft.com/office/drawing/2010/main" Requires="a14">
+        <mc:AlternateContent xmlns:mc="http://schemas.openxmlformats.org/markup-compatibility/2006" xmlns:a14="http://schemas.microsoft.com/office/drawing/2010/main">
+          <mc:Choice Requires="a14">
             <p:sp>
               <p:nvSpPr>
                 <p:cNvPr id="42" name="テキスト ボックス 41">
@@ -26367,6 +28010,7 @@
                 </a:bodyPr>
                 <a:lstStyle/>
                 <a:p>
+                  <a:pPr/>
                   <a14:m>
                     <m:oMathPara xmlns:m="http://schemas.openxmlformats.org/officeDocument/2006/math">
                       <m:oMathParaPr>
@@ -26406,7 +28050,7 @@
               </p:txBody>
             </p:sp>
           </mc:Choice>
-          <mc:Fallback>
+          <mc:Fallback xmlns="">
             <p:sp>
               <p:nvSpPr>
                 <p:cNvPr id="42" name="テキスト ボックス 41">
@@ -26451,8 +28095,8 @@
             </p:sp>
           </mc:Fallback>
         </mc:AlternateContent>
-        <mc:AlternateContent xmlns:mc="http://schemas.openxmlformats.org/markup-compatibility/2006">
-          <mc:Choice xmlns:a14="http://schemas.microsoft.com/office/drawing/2010/main" Requires="a14">
+        <mc:AlternateContent xmlns:mc="http://schemas.openxmlformats.org/markup-compatibility/2006" xmlns:a14="http://schemas.microsoft.com/office/drawing/2010/main">
+          <mc:Choice Requires="a14">
             <p:sp>
               <p:nvSpPr>
                 <p:cNvPr id="43" name="テキスト ボックス 42">
@@ -26481,6 +28125,7 @@
                 </a:bodyPr>
                 <a:lstStyle/>
                 <a:p>
+                  <a:pPr/>
                   <a14:m>
                     <m:oMathPara xmlns:m="http://schemas.openxmlformats.org/officeDocument/2006/math">
                       <m:oMathParaPr>
@@ -26520,7 +28165,7 @@
               </p:txBody>
             </p:sp>
           </mc:Choice>
-          <mc:Fallback>
+          <mc:Fallback xmlns="">
             <p:sp>
               <p:nvSpPr>
                 <p:cNvPr id="43" name="テキスト ボックス 42">
@@ -26565,8 +28210,8 @@
             </p:sp>
           </mc:Fallback>
         </mc:AlternateContent>
-        <mc:AlternateContent xmlns:mc="http://schemas.openxmlformats.org/markup-compatibility/2006">
-          <mc:Choice xmlns:a14="http://schemas.microsoft.com/office/drawing/2010/main" Requires="a14">
+        <mc:AlternateContent xmlns:mc="http://schemas.openxmlformats.org/markup-compatibility/2006" xmlns:a14="http://schemas.microsoft.com/office/drawing/2010/main">
+          <mc:Choice Requires="a14">
             <p:sp>
               <p:nvSpPr>
                 <p:cNvPr id="44" name="テキスト ボックス 43">
@@ -26595,6 +28240,7 @@
                 </a:bodyPr>
                 <a:lstStyle/>
                 <a:p>
+                  <a:pPr/>
                   <a14:m>
                     <m:oMathPara xmlns:m="http://schemas.openxmlformats.org/officeDocument/2006/math">
                       <m:oMathParaPr>
@@ -26634,7 +28280,7 @@
               </p:txBody>
             </p:sp>
           </mc:Choice>
-          <mc:Fallback>
+          <mc:Fallback xmlns="">
             <p:sp>
               <p:nvSpPr>
                 <p:cNvPr id="44" name="テキスト ボックス 43">
@@ -26679,8 +28325,8 @@
             </p:sp>
           </mc:Fallback>
         </mc:AlternateContent>
-        <mc:AlternateContent xmlns:mc="http://schemas.openxmlformats.org/markup-compatibility/2006">
-          <mc:Choice xmlns:a14="http://schemas.microsoft.com/office/drawing/2010/main" Requires="a14">
+        <mc:AlternateContent xmlns:mc="http://schemas.openxmlformats.org/markup-compatibility/2006" xmlns:a14="http://schemas.microsoft.com/office/drawing/2010/main">
+          <mc:Choice Requires="a14">
             <p:sp>
               <p:nvSpPr>
                 <p:cNvPr id="45" name="テキスト ボックス 44">
@@ -26709,6 +28355,7 @@
                 </a:bodyPr>
                 <a:lstStyle/>
                 <a:p>
+                  <a:pPr/>
                   <a14:m>
                     <m:oMathPara xmlns:m="http://schemas.openxmlformats.org/officeDocument/2006/math">
                       <m:oMathParaPr>
@@ -26756,7 +28403,7 @@
               </p:txBody>
             </p:sp>
           </mc:Choice>
-          <mc:Fallback>
+          <mc:Fallback xmlns="">
             <p:sp>
               <p:nvSpPr>
                 <p:cNvPr id="45" name="テキスト ボックス 44">
@@ -26857,8 +28504,8 @@
           </a:p>
         </p:txBody>
       </p:sp>
-      <mc:AlternateContent xmlns:mc="http://schemas.openxmlformats.org/markup-compatibility/2006">
-        <mc:Choice xmlns:a14="http://schemas.microsoft.com/office/drawing/2010/main" Requires="a14">
+      <mc:AlternateContent xmlns:mc="http://schemas.openxmlformats.org/markup-compatibility/2006" xmlns:a14="http://schemas.microsoft.com/office/drawing/2010/main">
+        <mc:Choice Requires="a14">
           <p:sp>
             <p:nvSpPr>
               <p:cNvPr id="6" name="コンテンツ プレースホルダー 5">
@@ -28276,7 +29923,7 @@
             </p:txBody>
           </p:sp>
         </mc:Choice>
-        <mc:Fallback>
+        <mc:Fallback xmlns="">
           <p:sp>
             <p:nvSpPr>
               <p:cNvPr id="6" name="コンテンツ プレースホルダー 5">
@@ -28476,8 +30123,8 @@
           </a:p>
         </p:txBody>
       </p:sp>
-      <mc:AlternateContent xmlns:mc="http://schemas.openxmlformats.org/markup-compatibility/2006">
-        <mc:Choice xmlns:a14="http://schemas.microsoft.com/office/drawing/2010/main" Requires="a14">
+      <mc:AlternateContent xmlns:mc="http://schemas.openxmlformats.org/markup-compatibility/2006" xmlns:a14="http://schemas.microsoft.com/office/drawing/2010/main">
+        <mc:Choice Requires="a14">
           <p:sp>
             <p:nvSpPr>
               <p:cNvPr id="3" name="コンテンツ プレースホルダー 2">
@@ -29089,7 +30736,7 @@
             </p:txBody>
           </p:sp>
         </mc:Choice>
-        <mc:Fallback>
+        <mc:Fallback xmlns="">
           <p:sp>
             <p:nvSpPr>
               <p:cNvPr id="3" name="コンテンツ プレースホルダー 2">
@@ -29188,8 +30835,8 @@
           </a:p>
         </p:txBody>
       </p:sp>
-      <mc:AlternateContent xmlns:mc="http://schemas.openxmlformats.org/markup-compatibility/2006">
-        <mc:Choice xmlns:a14="http://schemas.microsoft.com/office/drawing/2010/main" Requires="a14">
+      <mc:AlternateContent xmlns:mc="http://schemas.openxmlformats.org/markup-compatibility/2006" xmlns:a14="http://schemas.microsoft.com/office/drawing/2010/main">
+        <mc:Choice Requires="a14">
           <p:sp>
             <p:nvSpPr>
               <p:cNvPr id="3" name="コンテンツ プレースホルダー 2">
@@ -30580,7 +32227,7 @@
             </p:txBody>
           </p:sp>
         </mc:Choice>
-        <mc:Fallback>
+        <mc:Fallback xmlns="">
           <p:sp>
             <p:nvSpPr>
               <p:cNvPr id="3" name="コンテンツ プレースホルダー 2">
@@ -30679,8 +32326,8 @@
           </a:p>
         </p:txBody>
       </p:sp>
-      <mc:AlternateContent xmlns:mc="http://schemas.openxmlformats.org/markup-compatibility/2006">
-        <mc:Choice xmlns:a14="http://schemas.microsoft.com/office/drawing/2010/main" Requires="a14">
+      <mc:AlternateContent xmlns:mc="http://schemas.openxmlformats.org/markup-compatibility/2006" xmlns:a14="http://schemas.microsoft.com/office/drawing/2010/main">
+        <mc:Choice Requires="a14">
           <p:sp>
             <p:nvSpPr>
               <p:cNvPr id="3" name="コンテンツ プレースホルダー 2">
@@ -32320,7 +33967,7 @@
                           <m:sSub>
                             <m:sSubPr>
                               <m:ctrlPr>
-                                <a:rPr lang="en-US" altLang="ja-JP" b="0" i="0" smtClean="0">
+                                <a:rPr lang="en-US" altLang="ja-JP" b="0" i="1" smtClean="0">
                                   <a:latin typeface="Cambria Math" panose="02040503050406030204" pitchFamily="18" charset="0"/>
                                 </a:rPr>
                               </m:ctrlPr>
@@ -32399,7 +34046,7 @@
                               <m:sSub>
                                 <m:sSubPr>
                                   <m:ctrlPr>
-                                    <a:rPr lang="en-US" altLang="ja-JP" b="0" i="0" smtClean="0">
+                                    <a:rPr lang="en-US" altLang="ja-JP" b="0" i="1" smtClean="0">
                                       <a:latin typeface="Cambria Math" panose="02040503050406030204" pitchFamily="18" charset="0"/>
                                     </a:rPr>
                                   </m:ctrlPr>
@@ -32784,7 +34431,7 @@
                               <m:sSub>
                                 <m:sSubPr>
                                   <m:ctrlPr>
-                                    <a:rPr lang="en-US" altLang="ja-JP" b="0" i="0" smtClean="0">
+                                    <a:rPr lang="en-US" altLang="ja-JP" b="0" i="1" smtClean="0">
                                       <a:latin typeface="Cambria Math" panose="02040503050406030204" pitchFamily="18" charset="0"/>
                                     </a:rPr>
                                   </m:ctrlPr>
@@ -32938,7 +34585,7 @@
             </p:txBody>
           </p:sp>
         </mc:Choice>
-        <mc:Fallback>
+        <mc:Fallback xmlns="">
           <p:sp>
             <p:nvSpPr>
               <p:cNvPr id="3" name="コンテンツ プレースホルダー 2">
@@ -33138,8 +34785,8 @@
           </a:p>
         </p:txBody>
       </p:sp>
-      <mc:AlternateContent xmlns:mc="http://schemas.openxmlformats.org/markup-compatibility/2006">
-        <mc:Choice xmlns:a14="http://schemas.microsoft.com/office/drawing/2010/main" Requires="a14">
+      <mc:AlternateContent xmlns:mc="http://schemas.openxmlformats.org/markup-compatibility/2006" xmlns:a14="http://schemas.microsoft.com/office/drawing/2010/main">
+        <mc:Choice Requires="a14">
           <p:sp>
             <p:nvSpPr>
               <p:cNvPr id="7" name="コンテンツ プレースホルダー 6">
@@ -33641,7 +35288,7 @@
             </p:txBody>
           </p:sp>
         </mc:Choice>
-        <mc:Fallback>
+        <mc:Fallback xmlns="">
           <p:sp>
             <p:nvSpPr>
               <p:cNvPr id="7" name="コンテンツ プレースホルダー 6">
@@ -34066,8 +35713,8 @@
             </p:spPr>
           </p:pic>
         </p:grpSp>
-        <mc:AlternateContent xmlns:mc="http://schemas.openxmlformats.org/markup-compatibility/2006">
-          <mc:Choice xmlns:a14="http://schemas.microsoft.com/office/drawing/2010/main" Requires="a14">
+        <mc:AlternateContent xmlns:mc="http://schemas.openxmlformats.org/markup-compatibility/2006" xmlns:a14="http://schemas.microsoft.com/office/drawing/2010/main">
+          <mc:Choice Requires="a14">
             <p:sp>
               <p:nvSpPr>
                 <p:cNvPr id="32" name="テキスト ボックス 31">
@@ -34098,6 +35745,7 @@
                 </a:bodyPr>
                 <a:lstStyle/>
                 <a:p>
+                  <a:pPr/>
                   <a14:m>
                     <m:oMathPara xmlns:m="http://schemas.openxmlformats.org/officeDocument/2006/math">
                       <m:oMathParaPr>
@@ -34809,7 +36457,7 @@
               </p:txBody>
             </p:sp>
           </mc:Choice>
-          <mc:Fallback>
+          <mc:Fallback xmlns="">
             <p:sp>
               <p:nvSpPr>
                 <p:cNvPr id="32" name="テキスト ボックス 31">
